--- a/PM/Presentations/PM_ThesisUpdates_Jan25.pptx
+++ b/PM/Presentations/PM_ThesisUpdates_Jan25.pptx
@@ -13,22 +13,26 @@
     <p:sldMasterId id="2147483849" r:id="rId9"/>
   </p:sldMasterIdLst>
   <p:notesMasterIdLst>
-    <p:notesMasterId r:id="rId20"/>
+    <p:notesMasterId r:id="rId24"/>
   </p:notesMasterIdLst>
   <p:handoutMasterIdLst>
-    <p:handoutMasterId r:id="rId21"/>
+    <p:handoutMasterId r:id="rId25"/>
   </p:handoutMasterIdLst>
   <p:sldIdLst>
     <p:sldId id="268" r:id="rId10"/>
     <p:sldId id="269" r:id="rId11"/>
-    <p:sldId id="270" r:id="rId12"/>
-    <p:sldId id="271" r:id="rId13"/>
-    <p:sldId id="272" r:id="rId14"/>
-    <p:sldId id="273" r:id="rId15"/>
-    <p:sldId id="274" r:id="rId16"/>
-    <p:sldId id="275" r:id="rId17"/>
-    <p:sldId id="266" r:id="rId18"/>
-    <p:sldId id="267" r:id="rId19"/>
+    <p:sldId id="278" r:id="rId12"/>
+    <p:sldId id="272" r:id="rId13"/>
+    <p:sldId id="276" r:id="rId14"/>
+    <p:sldId id="277" r:id="rId15"/>
+    <p:sldId id="273" r:id="rId16"/>
+    <p:sldId id="274" r:id="rId17"/>
+    <p:sldId id="280" r:id="rId18"/>
+    <p:sldId id="282" r:id="rId19"/>
+    <p:sldId id="283" r:id="rId20"/>
+    <p:sldId id="284" r:id="rId21"/>
+    <p:sldId id="285" r:id="rId22"/>
+    <p:sldId id="281" r:id="rId23"/>
   </p:sldIdLst>
   <p:sldSz cx="12187238" cy="6858000"/>
   <p:notesSz cx="7099300" cy="10234613"/>
@@ -738,90 +742,6 @@
     </a:lvl9pPr>
   </p:notesStyle>
 </p:notesMaster>
-</file>
-
-<file path=ppt/notesSlides/notesSlide1.xml><?xml version="1.0" encoding="utf-8"?>
-<p:notes xmlns:a="http://schemas.openxmlformats.org/drawingml/2006/main" xmlns:r="http://schemas.openxmlformats.org/officeDocument/2006/relationships" xmlns:p="http://schemas.openxmlformats.org/presentationml/2006/main">
-  <p:cSld>
-    <p:spTree>
-      <p:nvGrpSpPr>
-        <p:cNvPr id="1" name=""/>
-        <p:cNvGrpSpPr/>
-        <p:nvPr/>
-      </p:nvGrpSpPr>
-      <p:grpSpPr>
-        <a:xfrm>
-          <a:off x="0" y="0"/>
-          <a:ext cx="0" cy="0"/>
-          <a:chOff x="0" y="0"/>
-          <a:chExt cx="0" cy="0"/>
-        </a:xfrm>
-      </p:grpSpPr>
-      <p:sp>
-        <p:nvSpPr>
-          <p:cNvPr id="2" name="Folienbildplatzhalter 1"/>
-          <p:cNvSpPr>
-            <a:spLocks noGrp="1" noRot="1" noChangeAspect="1"/>
-          </p:cNvSpPr>
-          <p:nvPr>
-            <p:ph type="sldImg"/>
-          </p:nvPr>
-        </p:nvSpPr>
-        <p:spPr/>
-      </p:sp>
-      <p:sp>
-        <p:nvSpPr>
-          <p:cNvPr id="3" name="Notizenplatzhalter 2"/>
-          <p:cNvSpPr>
-            <a:spLocks noGrp="1"/>
-          </p:cNvSpPr>
-          <p:nvPr>
-            <p:ph type="body" idx="1"/>
-          </p:nvPr>
-        </p:nvSpPr>
-        <p:spPr/>
-        <p:txBody>
-          <a:bodyPr/>
-          <a:lstStyle/>
-          <a:p>
-            <a:endParaRPr lang="de-CH"/>
-          </a:p>
-        </p:txBody>
-      </p:sp>
-      <p:sp>
-        <p:nvSpPr>
-          <p:cNvPr id="4" name="Foliennummernplatzhalter 3"/>
-          <p:cNvSpPr>
-            <a:spLocks noGrp="1"/>
-          </p:cNvSpPr>
-          <p:nvPr>
-            <p:ph type="sldNum" sz="quarter" idx="10"/>
-          </p:nvPr>
-        </p:nvSpPr>
-        <p:spPr/>
-        <p:txBody>
-          <a:bodyPr/>
-          <a:lstStyle/>
-          <a:p>
-            <a:fld id="{A51C0C35-A9A2-4EFD-9BAF-1E52E29E03D1}" type="slidenum">
-              <a:rPr lang="de-CH" smtClean="0"/>
-              <a:t>3</a:t>
-            </a:fld>
-            <a:endParaRPr lang="de-CH"/>
-          </a:p>
-        </p:txBody>
-      </p:sp>
-    </p:spTree>
-    <p:extLst>
-      <p:ext uri="{BB962C8B-B14F-4D97-AF65-F5344CB8AC3E}">
-        <p14:creationId xmlns:p14="http://schemas.microsoft.com/office/powerpoint/2010/main" val="3295951888"/>
-      </p:ext>
-    </p:extLst>
-  </p:cSld>
-  <p:clrMapOvr>
-    <a:masterClrMapping/>
-  </p:clrMapOvr>
-</p:notes>
 </file>
 
 <file path=ppt/slideLayouts/slideLayout1.xml><?xml version="1.0" encoding="utf-8"?>
@@ -41286,7 +41206,7 @@
             </a:r>
             <a:r>
               <a:rPr lang="en-GB" dirty="0"/>
-              <a:t> Danielle Griego and Alejandro Nunez-Jimenez</a:t>
+              <a:t> Danielle Griego, Alejandro Nunez-Jimenez</a:t>
             </a:r>
           </a:p>
           <a:p>
@@ -41457,14 +41377,55 @@
           <a:chExt cx="0" cy="0"/>
         </a:xfrm>
       </p:grpSpPr>
-      <p:sp>
-        <p:nvSpPr>
-          <p:cNvPr id="2" name="Datumsplatzhalter 1"/>
-          <p:cNvSpPr>
-            <a:spLocks noGrp="1"/>
-          </p:cNvSpPr>
-          <p:nvPr>
-            <p:ph type="dt" sz="half" idx="10"/>
+      <p:pic>
+        <p:nvPicPr>
+          <p:cNvPr id="10" name="Content Placeholder 9" descr="A close up of text on a whiteboard&#10;&#10;Description generated with high confidence">
+            <a:extLst>
+              <a:ext uri="{FF2B5EF4-FFF2-40B4-BE49-F238E27FC236}">
+                <a16:creationId xmlns:a16="http://schemas.microsoft.com/office/drawing/2014/main" id="{B66E8449-9496-41E6-9D07-28C31D9C81BD}"/>
+              </a:ext>
+            </a:extLst>
+          </p:cNvPr>
+          <p:cNvPicPr>
+            <a:picLocks noGrp="1" noChangeAspect="1"/>
+          </p:cNvPicPr>
+          <p:nvPr>
+            <p:ph sz="half" idx="1"/>
+          </p:nvPr>
+        </p:nvPicPr>
+        <p:blipFill>
+          <a:blip r:embed="rId2" cstate="print">
+            <a:extLst>
+              <a:ext uri="{28A0092B-C50C-407E-A947-70E740481C1C}">
+                <a14:useLocalDpi xmlns:a14="http://schemas.microsoft.com/office/drawing/2010/main" val="0"/>
+              </a:ext>
+            </a:extLst>
+          </a:blip>
+          <a:stretch>
+            <a:fillRect/>
+          </a:stretch>
+        </p:blipFill>
+        <p:spPr>
+          <a:xfrm>
+            <a:off x="323850" y="2039342"/>
+            <a:ext cx="5576888" cy="4182666"/>
+          </a:xfrm>
+        </p:spPr>
+      </p:pic>
+      <p:sp>
+        <p:nvSpPr>
+          <p:cNvPr id="11" name="Content Placeholder 10">
+            <a:extLst>
+              <a:ext uri="{FF2B5EF4-FFF2-40B4-BE49-F238E27FC236}">
+                <a16:creationId xmlns:a16="http://schemas.microsoft.com/office/drawing/2014/main" id="{6C9F0CB5-0EA1-4B95-A7A7-8D8CC6D5D97C}"/>
+              </a:ext>
+            </a:extLst>
+          </p:cNvPr>
+          <p:cNvSpPr>
+            <a:spLocks noGrp="1"/>
+          </p:cNvSpPr>
+          <p:nvPr>
+            <p:ph sz="half" idx="2"/>
           </p:nvPr>
         </p:nvSpPr>
         <p:spPr/>
@@ -41473,20 +41434,47 @@
           <a:lstStyle/>
           <a:p>
             <a:r>
-              <a:rPr lang="en-GB" dirty="0"/>
-              <a:t>1.12.2014</a:t>
-            </a:r>
-          </a:p>
-        </p:txBody>
-      </p:sp>
-      <p:sp>
-        <p:nvSpPr>
-          <p:cNvPr id="3" name="Fußzeilenplatzhalter 2"/>
-          <p:cNvSpPr>
-            <a:spLocks noGrp="1"/>
-          </p:cNvSpPr>
-          <p:nvPr>
-            <p:ph type="ftr" sz="quarter" idx="11"/>
+              <a:rPr lang="en-IN" dirty="0"/>
+              <a:t>Use TPB to decide if agent wants solar or not. Maybe a simpler, smaller TPB model used here incorporating:</a:t>
+            </a:r>
+          </a:p>
+          <a:p>
+            <a:pPr lvl="1"/>
+            <a:r>
+              <a:rPr lang="en-IN" dirty="0"/>
+              <a:t>General environmental attitude</a:t>
+            </a:r>
+          </a:p>
+          <a:p>
+            <a:pPr lvl="1"/>
+            <a:r>
+              <a:rPr lang="en-IN" dirty="0"/>
+              <a:t>Level of income/education</a:t>
+            </a:r>
+          </a:p>
+          <a:p>
+            <a:pPr lvl="1"/>
+            <a:r>
+              <a:rPr lang="en-IN" dirty="0"/>
+              <a:t>Peer effects and subjective norm on solar PV</a:t>
+            </a:r>
+          </a:p>
+        </p:txBody>
+      </p:sp>
+      <p:sp>
+        <p:nvSpPr>
+          <p:cNvPr id="4" name="Date Placeholder 3">
+            <a:extLst>
+              <a:ext uri="{FF2B5EF4-FFF2-40B4-BE49-F238E27FC236}">
+                <a16:creationId xmlns:a16="http://schemas.microsoft.com/office/drawing/2014/main" id="{281E5B0B-A257-423D-B6E4-7474DA165991}"/>
+              </a:ext>
+            </a:extLst>
+          </p:cNvPr>
+          <p:cNvSpPr>
+            <a:spLocks noGrp="1"/>
+          </p:cNvSpPr>
+          <p:nvPr>
+            <p:ph type="dt" sz="half" idx="10"/>
           </p:nvPr>
         </p:nvSpPr>
         <p:spPr/>
@@ -41495,20 +41483,27 @@
           <a:lstStyle/>
           <a:p>
             <a:r>
-              <a:rPr lang="en-GB" dirty="0"/>
-              <a:t>First name Surname (edit via “Insert” &gt; “Header &amp; Footer”)</a:t>
-            </a:r>
-          </a:p>
-        </p:txBody>
-      </p:sp>
-      <p:sp>
-        <p:nvSpPr>
-          <p:cNvPr id="4" name="Foliennummernplatzhalter 3"/>
-          <p:cNvSpPr>
-            <a:spLocks noGrp="1"/>
-          </p:cNvSpPr>
-          <p:nvPr>
-            <p:ph type="sldNum" sz="quarter" idx="12"/>
+              <a:rPr lang="en-GB"/>
+              <a:t>1.12.2014</a:t>
+            </a:r>
+            <a:endParaRPr lang="en-GB" dirty="0"/>
+          </a:p>
+        </p:txBody>
+      </p:sp>
+      <p:sp>
+        <p:nvSpPr>
+          <p:cNvPr id="5" name="Footer Placeholder 4">
+            <a:extLst>
+              <a:ext uri="{FF2B5EF4-FFF2-40B4-BE49-F238E27FC236}">
+                <a16:creationId xmlns:a16="http://schemas.microsoft.com/office/drawing/2014/main" id="{6BB8920D-7E14-4531-951A-CB7B54229B0B}"/>
+              </a:ext>
+            </a:extLst>
+          </p:cNvPr>
+          <p:cNvSpPr>
+            <a:spLocks noGrp="1"/>
+          </p:cNvSpPr>
+          <p:nvPr>
+            <p:ph type="ftr" sz="quarter" idx="11"/>
           </p:nvPr>
         </p:nvSpPr>
         <p:spPr/>
@@ -41516,19 +41511,1044 @@
           <a:bodyPr/>
           <a:lstStyle/>
           <a:p>
+            <a:r>
+              <a:rPr lang="en-GB"/>
+              <a:t>First name Surname (edit via “Insert” &gt; “Header &amp; Footer”)</a:t>
+            </a:r>
+            <a:endParaRPr lang="en-GB" dirty="0"/>
+          </a:p>
+        </p:txBody>
+      </p:sp>
+      <p:sp>
+        <p:nvSpPr>
+          <p:cNvPr id="6" name="Slide Number Placeholder 5">
+            <a:extLst>
+              <a:ext uri="{FF2B5EF4-FFF2-40B4-BE49-F238E27FC236}">
+                <a16:creationId xmlns:a16="http://schemas.microsoft.com/office/drawing/2014/main" id="{504DBA22-0CCA-442A-BF56-F5D7175AE44A}"/>
+              </a:ext>
+            </a:extLst>
+          </p:cNvPr>
+          <p:cNvSpPr>
+            <a:spLocks noGrp="1"/>
+          </p:cNvSpPr>
+          <p:nvPr>
+            <p:ph type="sldNum" sz="quarter" idx="12"/>
+          </p:nvPr>
+        </p:nvSpPr>
+        <p:spPr/>
+        <p:txBody>
+          <a:bodyPr/>
+          <a:lstStyle/>
+          <a:p>
             <a:fld id="{6C6AE60A-B69C-4790-82F7-3882EDF23186}" type="slidenum">
               <a:rPr lang="en-GB" smtClean="0"/>
-              <a:pPr/>
               <a:t>10</a:t>
             </a:fld>
             <a:endParaRPr lang="en-GB" dirty="0"/>
           </a:p>
         </p:txBody>
       </p:sp>
+      <p:sp>
+        <p:nvSpPr>
+          <p:cNvPr id="7" name="Title 6">
+            <a:extLst>
+              <a:ext uri="{FF2B5EF4-FFF2-40B4-BE49-F238E27FC236}">
+                <a16:creationId xmlns:a16="http://schemas.microsoft.com/office/drawing/2014/main" id="{825A7ED7-081F-4146-9447-1664C16BF966}"/>
+              </a:ext>
+            </a:extLst>
+          </p:cNvPr>
+          <p:cNvSpPr>
+            <a:spLocks noGrp="1"/>
+          </p:cNvSpPr>
+          <p:nvPr>
+            <p:ph type="title"/>
+          </p:nvPr>
+        </p:nvSpPr>
+        <p:spPr/>
+        <p:txBody>
+          <a:bodyPr/>
+          <a:lstStyle/>
+          <a:p>
+            <a:r>
+              <a:rPr lang="en-IN" dirty="0"/>
+              <a:t>Adoption Mechanism 1: Do I want solar?</a:t>
+            </a:r>
+          </a:p>
+        </p:txBody>
+      </p:sp>
     </p:spTree>
     <p:extLst>
       <p:ext uri="{BB962C8B-B14F-4D97-AF65-F5344CB8AC3E}">
-        <p14:creationId xmlns:p14="http://schemas.microsoft.com/office/powerpoint/2010/main" val="1019193639"/>
+        <p14:creationId xmlns:p14="http://schemas.microsoft.com/office/powerpoint/2010/main" val="1812891478"/>
+      </p:ext>
+    </p:extLst>
+  </p:cSld>
+  <p:clrMapOvr>
+    <a:masterClrMapping/>
+  </p:clrMapOvr>
+  <p:transition>
+    <p:fade/>
+  </p:transition>
+</p:sld>
+</file>
+
+<file path=ppt/slides/slide11.xml><?xml version="1.0" encoding="utf-8"?>
+<p:sld xmlns:a="http://schemas.openxmlformats.org/drawingml/2006/main" xmlns:r="http://schemas.openxmlformats.org/officeDocument/2006/relationships" xmlns:p="http://schemas.openxmlformats.org/presentationml/2006/main">
+  <p:cSld>
+    <p:spTree>
+      <p:nvGrpSpPr>
+        <p:cNvPr id="1" name=""/>
+        <p:cNvGrpSpPr/>
+        <p:nvPr/>
+      </p:nvGrpSpPr>
+      <p:grpSpPr>
+        <a:xfrm>
+          <a:off x="0" y="0"/>
+          <a:ext cx="0" cy="0"/>
+          <a:chOff x="0" y="0"/>
+          <a:chExt cx="0" cy="0"/>
+        </a:xfrm>
+      </p:grpSpPr>
+      <p:pic>
+        <p:nvPicPr>
+          <p:cNvPr id="8" name="Content Placeholder 7" descr="A close up of text on a whiteboard&#10;&#10;Description generated with high confidence">
+            <a:extLst>
+              <a:ext uri="{FF2B5EF4-FFF2-40B4-BE49-F238E27FC236}">
+                <a16:creationId xmlns:a16="http://schemas.microsoft.com/office/drawing/2014/main" id="{90FD9A47-75F9-481A-9BC2-1C1C70691DF4}"/>
+              </a:ext>
+            </a:extLst>
+          </p:cNvPr>
+          <p:cNvPicPr>
+            <a:picLocks noGrp="1" noChangeAspect="1"/>
+          </p:cNvPicPr>
+          <p:nvPr>
+            <p:ph sz="half" idx="1"/>
+          </p:nvPr>
+        </p:nvPicPr>
+        <p:blipFill>
+          <a:blip r:embed="rId2" cstate="print">
+            <a:extLst>
+              <a:ext uri="{28A0092B-C50C-407E-A947-70E740481C1C}">
+                <a14:useLocalDpi xmlns:a14="http://schemas.microsoft.com/office/drawing/2010/main" val="0"/>
+              </a:ext>
+            </a:extLst>
+          </a:blip>
+          <a:stretch>
+            <a:fillRect/>
+          </a:stretch>
+        </p:blipFill>
+        <p:spPr>
+          <a:xfrm>
+            <a:off x="323850" y="2039342"/>
+            <a:ext cx="5576888" cy="4182666"/>
+          </a:xfrm>
+        </p:spPr>
+      </p:pic>
+      <p:sp>
+        <p:nvSpPr>
+          <p:cNvPr id="9" name="Content Placeholder 8">
+            <a:extLst>
+              <a:ext uri="{FF2B5EF4-FFF2-40B4-BE49-F238E27FC236}">
+                <a16:creationId xmlns:a16="http://schemas.microsoft.com/office/drawing/2014/main" id="{C2CFB4D9-7E0F-42E4-9383-CD4956D23770}"/>
+              </a:ext>
+            </a:extLst>
+          </p:cNvPr>
+          <p:cNvSpPr>
+            <a:spLocks noGrp="1"/>
+          </p:cNvSpPr>
+          <p:nvPr>
+            <p:ph sz="half" idx="2"/>
+          </p:nvPr>
+        </p:nvSpPr>
+        <p:spPr/>
+        <p:txBody>
+          <a:bodyPr/>
+          <a:lstStyle/>
+          <a:p>
+            <a:r>
+              <a:rPr lang="en-IN" dirty="0"/>
+              <a:t>2 choices – individual and community</a:t>
+            </a:r>
+          </a:p>
+          <a:p>
+            <a:r>
+              <a:rPr lang="en-IN" dirty="0"/>
+              <a:t>Individual</a:t>
+            </a:r>
+          </a:p>
+          <a:p>
+            <a:pPr lvl="1"/>
+            <a:r>
+              <a:rPr lang="en-IN" dirty="0"/>
+              <a:t>Consider that agent has to do calculations and finds his optimum size and money savings</a:t>
+            </a:r>
+          </a:p>
+          <a:p>
+            <a:r>
+              <a:rPr lang="en-IN" dirty="0"/>
+              <a:t>Community</a:t>
+            </a:r>
+          </a:p>
+          <a:p>
+            <a:pPr lvl="1"/>
+            <a:r>
+              <a:rPr lang="en-IN" dirty="0"/>
+              <a:t>Consider building owner as “Energy Champion” who takes care of admin and calculations, offers renters different scenarios</a:t>
+            </a:r>
+          </a:p>
+          <a:p>
+            <a:pPr lvl="1"/>
+            <a:endParaRPr lang="en-IN" dirty="0"/>
+          </a:p>
+        </p:txBody>
+      </p:sp>
+      <p:sp>
+        <p:nvSpPr>
+          <p:cNvPr id="3" name="Date Placeholder 2">
+            <a:extLst>
+              <a:ext uri="{FF2B5EF4-FFF2-40B4-BE49-F238E27FC236}">
+                <a16:creationId xmlns:a16="http://schemas.microsoft.com/office/drawing/2014/main" id="{6078940E-B8E0-44DE-9229-ECC80BA9A863}"/>
+              </a:ext>
+            </a:extLst>
+          </p:cNvPr>
+          <p:cNvSpPr>
+            <a:spLocks noGrp="1"/>
+          </p:cNvSpPr>
+          <p:nvPr>
+            <p:ph type="dt" sz="half" idx="10"/>
+          </p:nvPr>
+        </p:nvSpPr>
+        <p:spPr/>
+        <p:txBody>
+          <a:bodyPr/>
+          <a:lstStyle/>
+          <a:p>
+            <a:r>
+              <a:rPr lang="en-GB"/>
+              <a:t>1.12.2014</a:t>
+            </a:r>
+            <a:endParaRPr lang="en-GB" dirty="0"/>
+          </a:p>
+        </p:txBody>
+      </p:sp>
+      <p:sp>
+        <p:nvSpPr>
+          <p:cNvPr id="4" name="Footer Placeholder 3">
+            <a:extLst>
+              <a:ext uri="{FF2B5EF4-FFF2-40B4-BE49-F238E27FC236}">
+                <a16:creationId xmlns:a16="http://schemas.microsoft.com/office/drawing/2014/main" id="{5D8B946B-9D06-4016-9748-FBEB0695F6E7}"/>
+              </a:ext>
+            </a:extLst>
+          </p:cNvPr>
+          <p:cNvSpPr>
+            <a:spLocks noGrp="1"/>
+          </p:cNvSpPr>
+          <p:nvPr>
+            <p:ph type="ftr" sz="quarter" idx="11"/>
+          </p:nvPr>
+        </p:nvSpPr>
+        <p:spPr/>
+        <p:txBody>
+          <a:bodyPr/>
+          <a:lstStyle/>
+          <a:p>
+            <a:r>
+              <a:rPr lang="en-GB"/>
+              <a:t>First name Surname (edit via “Insert” &gt; “Header &amp; Footer”)</a:t>
+            </a:r>
+            <a:endParaRPr lang="en-GB" dirty="0"/>
+          </a:p>
+        </p:txBody>
+      </p:sp>
+      <p:sp>
+        <p:nvSpPr>
+          <p:cNvPr id="5" name="Slide Number Placeholder 4">
+            <a:extLst>
+              <a:ext uri="{FF2B5EF4-FFF2-40B4-BE49-F238E27FC236}">
+                <a16:creationId xmlns:a16="http://schemas.microsoft.com/office/drawing/2014/main" id="{8E2F00C4-9B86-47A0-AC0A-23C352177BD2}"/>
+              </a:ext>
+            </a:extLst>
+          </p:cNvPr>
+          <p:cNvSpPr>
+            <a:spLocks noGrp="1"/>
+          </p:cNvSpPr>
+          <p:nvPr>
+            <p:ph type="sldNum" sz="quarter" idx="12"/>
+          </p:nvPr>
+        </p:nvSpPr>
+        <p:spPr/>
+        <p:txBody>
+          <a:bodyPr/>
+          <a:lstStyle/>
+          <a:p>
+            <a:fld id="{6C6AE60A-B69C-4790-82F7-3882EDF23186}" type="slidenum">
+              <a:rPr lang="en-GB" smtClean="0"/>
+              <a:t>11</a:t>
+            </a:fld>
+            <a:endParaRPr lang="en-GB" dirty="0"/>
+          </a:p>
+        </p:txBody>
+      </p:sp>
+      <p:sp>
+        <p:nvSpPr>
+          <p:cNvPr id="6" name="Title 5">
+            <a:extLst>
+              <a:ext uri="{FF2B5EF4-FFF2-40B4-BE49-F238E27FC236}">
+                <a16:creationId xmlns:a16="http://schemas.microsoft.com/office/drawing/2014/main" id="{EB975F42-7716-4E8F-A150-51CCD46FE74D}"/>
+              </a:ext>
+            </a:extLst>
+          </p:cNvPr>
+          <p:cNvSpPr>
+            <a:spLocks noGrp="1"/>
+          </p:cNvSpPr>
+          <p:nvPr>
+            <p:ph type="title"/>
+          </p:nvPr>
+        </p:nvSpPr>
+        <p:spPr/>
+        <p:txBody>
+          <a:bodyPr/>
+          <a:lstStyle/>
+          <a:p>
+            <a:r>
+              <a:rPr lang="en-IN" dirty="0"/>
+              <a:t>Adoption Mechanism 2: I want solar, what next?</a:t>
+            </a:r>
+          </a:p>
+        </p:txBody>
+      </p:sp>
+    </p:spTree>
+    <p:extLst>
+      <p:ext uri="{BB962C8B-B14F-4D97-AF65-F5344CB8AC3E}">
+        <p14:creationId xmlns:p14="http://schemas.microsoft.com/office/powerpoint/2010/main" val="664187132"/>
+      </p:ext>
+    </p:extLst>
+  </p:cSld>
+  <p:clrMapOvr>
+    <a:masterClrMapping/>
+  </p:clrMapOvr>
+  <p:transition>
+    <p:fade/>
+  </p:transition>
+</p:sld>
+</file>
+
+<file path=ppt/slides/slide12.xml><?xml version="1.0" encoding="utf-8"?>
+<p:sld xmlns:a="http://schemas.openxmlformats.org/drawingml/2006/main" xmlns:r="http://schemas.openxmlformats.org/officeDocument/2006/relationships" xmlns:p="http://schemas.openxmlformats.org/presentationml/2006/main">
+  <p:cSld>
+    <p:spTree>
+      <p:nvGrpSpPr>
+        <p:cNvPr id="1" name=""/>
+        <p:cNvGrpSpPr/>
+        <p:nvPr/>
+      </p:nvGrpSpPr>
+      <p:grpSpPr>
+        <a:xfrm>
+          <a:off x="0" y="0"/>
+          <a:ext cx="0" cy="0"/>
+          <a:chOff x="0" y="0"/>
+          <a:chExt cx="0" cy="0"/>
+        </a:xfrm>
+      </p:grpSpPr>
+      <p:pic>
+        <p:nvPicPr>
+          <p:cNvPr id="9" name="Content Placeholder 8" descr="A close up of text on a whiteboard&#10;&#10;Description generated with very high confidence">
+            <a:extLst>
+              <a:ext uri="{FF2B5EF4-FFF2-40B4-BE49-F238E27FC236}">
+                <a16:creationId xmlns:a16="http://schemas.microsoft.com/office/drawing/2014/main" id="{1EFA9429-A09B-4981-823B-27255D479ACE}"/>
+              </a:ext>
+            </a:extLst>
+          </p:cNvPr>
+          <p:cNvPicPr>
+            <a:picLocks noGrp="1" noChangeAspect="1"/>
+          </p:cNvPicPr>
+          <p:nvPr>
+            <p:ph sz="half" idx="1"/>
+          </p:nvPr>
+        </p:nvPicPr>
+        <p:blipFill rotWithShape="1">
+          <a:blip r:embed="rId2" cstate="print">
+            <a:extLst>
+              <a:ext uri="{28A0092B-C50C-407E-A947-70E740481C1C}">
+                <a14:useLocalDpi xmlns:a14="http://schemas.microsoft.com/office/drawing/2010/main" val="0"/>
+              </a:ext>
+            </a:extLst>
+          </a:blip>
+          <a:srcRect l="6619" t="28060"/>
+          <a:stretch/>
+        </p:blipFill>
+        <p:spPr>
+          <a:xfrm>
+            <a:off x="323850" y="2024064"/>
+            <a:ext cx="5576887" cy="4197944"/>
+          </a:xfrm>
+        </p:spPr>
+      </p:pic>
+      <p:sp>
+        <p:nvSpPr>
+          <p:cNvPr id="3" name="Content Placeholder 2">
+            <a:extLst>
+              <a:ext uri="{FF2B5EF4-FFF2-40B4-BE49-F238E27FC236}">
+                <a16:creationId xmlns:a16="http://schemas.microsoft.com/office/drawing/2014/main" id="{27100B7D-361E-4923-91AA-5530A84CBFCB}"/>
+              </a:ext>
+            </a:extLst>
+          </p:cNvPr>
+          <p:cNvSpPr>
+            <a:spLocks noGrp="1"/>
+          </p:cNvSpPr>
+          <p:nvPr>
+            <p:ph sz="half" idx="2"/>
+          </p:nvPr>
+        </p:nvSpPr>
+        <p:spPr/>
+        <p:txBody>
+          <a:bodyPr/>
+          <a:lstStyle/>
+          <a:p>
+            <a:r>
+              <a:rPr lang="en-IN" dirty="0"/>
+              <a:t>Owner doing everything vs agent doing his own calculations </a:t>
+            </a:r>
+            <a:r>
+              <a:rPr lang="en-IN" dirty="0">
+                <a:sym typeface="Wingdings" panose="05000000000000000000" pitchFamily="2" charset="2"/>
+              </a:rPr>
+              <a:t> affects control</a:t>
+            </a:r>
+          </a:p>
+          <a:p>
+            <a:r>
+              <a:rPr lang="en-IN" dirty="0">
+                <a:sym typeface="Wingdings" panose="05000000000000000000" pitchFamily="2" charset="2"/>
+              </a:rPr>
+              <a:t>Information about sizing and savings  affects attitudes</a:t>
+            </a:r>
+          </a:p>
+          <a:p>
+            <a:r>
+              <a:rPr lang="en-IN" dirty="0">
+                <a:sym typeface="Wingdings" panose="05000000000000000000" pitchFamily="2" charset="2"/>
+              </a:rPr>
+              <a:t>Other agent attributes might be complementary, favouring one side over another</a:t>
+            </a:r>
+          </a:p>
+          <a:p>
+            <a:r>
+              <a:rPr lang="en-IN" dirty="0">
+                <a:sym typeface="Wingdings" panose="05000000000000000000" pitchFamily="2" charset="2"/>
+              </a:rPr>
+              <a:t>TPB is generally used to model behaviour with ONE decision as end goal – to do/not to do something. I’m not clear on using it to choose between doing TWO things. Maybe I need 2 separate TPBs?</a:t>
+            </a:r>
+          </a:p>
+        </p:txBody>
+      </p:sp>
+      <p:sp>
+        <p:nvSpPr>
+          <p:cNvPr id="4" name="Date Placeholder 3">
+            <a:extLst>
+              <a:ext uri="{FF2B5EF4-FFF2-40B4-BE49-F238E27FC236}">
+                <a16:creationId xmlns:a16="http://schemas.microsoft.com/office/drawing/2014/main" id="{CCDACB7A-0A2B-49DB-AB3A-663D9567F1B7}"/>
+              </a:ext>
+            </a:extLst>
+          </p:cNvPr>
+          <p:cNvSpPr>
+            <a:spLocks noGrp="1"/>
+          </p:cNvSpPr>
+          <p:nvPr>
+            <p:ph type="dt" sz="half" idx="10"/>
+          </p:nvPr>
+        </p:nvSpPr>
+        <p:spPr/>
+        <p:txBody>
+          <a:bodyPr/>
+          <a:lstStyle/>
+          <a:p>
+            <a:r>
+              <a:rPr lang="en-GB"/>
+              <a:t>1.12.2014</a:t>
+            </a:r>
+            <a:endParaRPr lang="en-GB" dirty="0"/>
+          </a:p>
+        </p:txBody>
+      </p:sp>
+      <p:sp>
+        <p:nvSpPr>
+          <p:cNvPr id="5" name="Footer Placeholder 4">
+            <a:extLst>
+              <a:ext uri="{FF2B5EF4-FFF2-40B4-BE49-F238E27FC236}">
+                <a16:creationId xmlns:a16="http://schemas.microsoft.com/office/drawing/2014/main" id="{CC6D9928-6168-402F-83ED-4BA97994AE93}"/>
+              </a:ext>
+            </a:extLst>
+          </p:cNvPr>
+          <p:cNvSpPr>
+            <a:spLocks noGrp="1"/>
+          </p:cNvSpPr>
+          <p:nvPr>
+            <p:ph type="ftr" sz="quarter" idx="11"/>
+          </p:nvPr>
+        </p:nvSpPr>
+        <p:spPr/>
+        <p:txBody>
+          <a:bodyPr/>
+          <a:lstStyle/>
+          <a:p>
+            <a:r>
+              <a:rPr lang="en-GB"/>
+              <a:t>First name Surname (edit via “Insert” &gt; “Header &amp; Footer”)</a:t>
+            </a:r>
+            <a:endParaRPr lang="en-GB" dirty="0"/>
+          </a:p>
+        </p:txBody>
+      </p:sp>
+      <p:sp>
+        <p:nvSpPr>
+          <p:cNvPr id="6" name="Slide Number Placeholder 5">
+            <a:extLst>
+              <a:ext uri="{FF2B5EF4-FFF2-40B4-BE49-F238E27FC236}">
+                <a16:creationId xmlns:a16="http://schemas.microsoft.com/office/drawing/2014/main" id="{05264541-55BB-4A4D-BA41-C912EC848FEB}"/>
+              </a:ext>
+            </a:extLst>
+          </p:cNvPr>
+          <p:cNvSpPr>
+            <a:spLocks noGrp="1"/>
+          </p:cNvSpPr>
+          <p:nvPr>
+            <p:ph type="sldNum" sz="quarter" idx="12"/>
+          </p:nvPr>
+        </p:nvSpPr>
+        <p:spPr/>
+        <p:txBody>
+          <a:bodyPr/>
+          <a:lstStyle/>
+          <a:p>
+            <a:fld id="{6C6AE60A-B69C-4790-82F7-3882EDF23186}" type="slidenum">
+              <a:rPr lang="en-GB" smtClean="0"/>
+              <a:t>12</a:t>
+            </a:fld>
+            <a:endParaRPr lang="en-GB" dirty="0"/>
+          </a:p>
+        </p:txBody>
+      </p:sp>
+      <p:sp>
+        <p:nvSpPr>
+          <p:cNvPr id="7" name="Title 6">
+            <a:extLst>
+              <a:ext uri="{FF2B5EF4-FFF2-40B4-BE49-F238E27FC236}">
+                <a16:creationId xmlns:a16="http://schemas.microsoft.com/office/drawing/2014/main" id="{E01E480D-557C-4349-A0E6-B0ED19BC05A1}"/>
+              </a:ext>
+            </a:extLst>
+          </p:cNvPr>
+          <p:cNvSpPr>
+            <a:spLocks noGrp="1"/>
+          </p:cNvSpPr>
+          <p:nvPr>
+            <p:ph type="title"/>
+          </p:nvPr>
+        </p:nvSpPr>
+        <p:spPr/>
+        <p:txBody>
+          <a:bodyPr/>
+          <a:lstStyle/>
+          <a:p>
+            <a:r>
+              <a:rPr lang="en-IN" dirty="0"/>
+              <a:t>Adoption Mechanism 3: Using TPB again </a:t>
+            </a:r>
+          </a:p>
+        </p:txBody>
+      </p:sp>
+    </p:spTree>
+    <p:extLst>
+      <p:ext uri="{BB962C8B-B14F-4D97-AF65-F5344CB8AC3E}">
+        <p14:creationId xmlns:p14="http://schemas.microsoft.com/office/powerpoint/2010/main" val="1698095850"/>
+      </p:ext>
+    </p:extLst>
+  </p:cSld>
+  <p:clrMapOvr>
+    <a:masterClrMapping/>
+  </p:clrMapOvr>
+  <p:transition>
+    <p:fade/>
+  </p:transition>
+</p:sld>
+</file>
+
+<file path=ppt/slides/slide13.xml><?xml version="1.0" encoding="utf-8"?>
+<p:sld xmlns:a="http://schemas.openxmlformats.org/drawingml/2006/main" xmlns:r="http://schemas.openxmlformats.org/officeDocument/2006/relationships" xmlns:p="http://schemas.openxmlformats.org/presentationml/2006/main">
+  <p:cSld>
+    <p:spTree>
+      <p:nvGrpSpPr>
+        <p:cNvPr id="1" name=""/>
+        <p:cNvGrpSpPr/>
+        <p:nvPr/>
+      </p:nvGrpSpPr>
+      <p:grpSpPr>
+        <a:xfrm>
+          <a:off x="0" y="0"/>
+          <a:ext cx="0" cy="0"/>
+          <a:chOff x="0" y="0"/>
+          <a:chExt cx="0" cy="0"/>
+        </a:xfrm>
+      </p:grpSpPr>
+      <p:sp>
+        <p:nvSpPr>
+          <p:cNvPr id="3" name="Content Placeholder 2">
+            <a:extLst>
+              <a:ext uri="{FF2B5EF4-FFF2-40B4-BE49-F238E27FC236}">
+                <a16:creationId xmlns:a16="http://schemas.microsoft.com/office/drawing/2014/main" id="{ECBAF4B4-DC74-4048-8930-AACBC99DA5C6}"/>
+              </a:ext>
+            </a:extLst>
+          </p:cNvPr>
+          <p:cNvSpPr>
+            <a:spLocks noGrp="1"/>
+          </p:cNvSpPr>
+          <p:nvPr>
+            <p:ph sz="half" idx="2"/>
+          </p:nvPr>
+        </p:nvSpPr>
+        <p:spPr/>
+        <p:txBody>
+          <a:bodyPr/>
+          <a:lstStyle/>
+          <a:p>
+            <a:r>
+              <a:rPr lang="en-IN" dirty="0"/>
+              <a:t>Who starts first and why?</a:t>
+            </a:r>
+          </a:p>
+          <a:p>
+            <a:r>
+              <a:rPr lang="en-IN" dirty="0"/>
+              <a:t>After a year is simulated, what happens to variables, parameters and attributes? How does TIME feature in the model?</a:t>
+            </a:r>
+          </a:p>
+          <a:p>
+            <a:endParaRPr lang="en-IN" dirty="0"/>
+          </a:p>
+          <a:p>
+            <a:endParaRPr lang="en-IN" dirty="0"/>
+          </a:p>
+          <a:p>
+            <a:endParaRPr lang="en-IN" dirty="0"/>
+          </a:p>
+          <a:p>
+            <a:endParaRPr lang="en-IN" dirty="0"/>
+          </a:p>
+        </p:txBody>
+      </p:sp>
+      <p:sp>
+        <p:nvSpPr>
+          <p:cNvPr id="4" name="Date Placeholder 3">
+            <a:extLst>
+              <a:ext uri="{FF2B5EF4-FFF2-40B4-BE49-F238E27FC236}">
+                <a16:creationId xmlns:a16="http://schemas.microsoft.com/office/drawing/2014/main" id="{8FB29E6C-5CAE-4FD1-BD1A-9E3AC45B8771}"/>
+              </a:ext>
+            </a:extLst>
+          </p:cNvPr>
+          <p:cNvSpPr>
+            <a:spLocks noGrp="1"/>
+          </p:cNvSpPr>
+          <p:nvPr>
+            <p:ph type="dt" sz="half" idx="10"/>
+          </p:nvPr>
+        </p:nvSpPr>
+        <p:spPr/>
+        <p:txBody>
+          <a:bodyPr/>
+          <a:lstStyle/>
+          <a:p>
+            <a:r>
+              <a:rPr lang="en-GB"/>
+              <a:t>1.12.2014</a:t>
+            </a:r>
+            <a:endParaRPr lang="en-GB" dirty="0"/>
+          </a:p>
+        </p:txBody>
+      </p:sp>
+      <p:sp>
+        <p:nvSpPr>
+          <p:cNvPr id="5" name="Footer Placeholder 4">
+            <a:extLst>
+              <a:ext uri="{FF2B5EF4-FFF2-40B4-BE49-F238E27FC236}">
+                <a16:creationId xmlns:a16="http://schemas.microsoft.com/office/drawing/2014/main" id="{E120BF8E-4A7B-4C4C-BDEB-4D5D6351EB44}"/>
+              </a:ext>
+            </a:extLst>
+          </p:cNvPr>
+          <p:cNvSpPr>
+            <a:spLocks noGrp="1"/>
+          </p:cNvSpPr>
+          <p:nvPr>
+            <p:ph type="ftr" sz="quarter" idx="11"/>
+          </p:nvPr>
+        </p:nvSpPr>
+        <p:spPr/>
+        <p:txBody>
+          <a:bodyPr/>
+          <a:lstStyle/>
+          <a:p>
+            <a:r>
+              <a:rPr lang="en-GB"/>
+              <a:t>First name Surname (edit via “Insert” &gt; “Header &amp; Footer”)</a:t>
+            </a:r>
+            <a:endParaRPr lang="en-GB" dirty="0"/>
+          </a:p>
+        </p:txBody>
+      </p:sp>
+      <p:sp>
+        <p:nvSpPr>
+          <p:cNvPr id="6" name="Slide Number Placeholder 5">
+            <a:extLst>
+              <a:ext uri="{FF2B5EF4-FFF2-40B4-BE49-F238E27FC236}">
+                <a16:creationId xmlns:a16="http://schemas.microsoft.com/office/drawing/2014/main" id="{C9177380-D5C2-4F48-9081-A6973ABD2298}"/>
+              </a:ext>
+            </a:extLst>
+          </p:cNvPr>
+          <p:cNvSpPr>
+            <a:spLocks noGrp="1"/>
+          </p:cNvSpPr>
+          <p:nvPr>
+            <p:ph type="sldNum" sz="quarter" idx="12"/>
+          </p:nvPr>
+        </p:nvSpPr>
+        <p:spPr/>
+        <p:txBody>
+          <a:bodyPr/>
+          <a:lstStyle/>
+          <a:p>
+            <a:fld id="{6C6AE60A-B69C-4790-82F7-3882EDF23186}" type="slidenum">
+              <a:rPr lang="en-GB" smtClean="0"/>
+              <a:t>13</a:t>
+            </a:fld>
+            <a:endParaRPr lang="en-GB" dirty="0"/>
+          </a:p>
+        </p:txBody>
+      </p:sp>
+      <p:sp>
+        <p:nvSpPr>
+          <p:cNvPr id="7" name="Title 6">
+            <a:extLst>
+              <a:ext uri="{FF2B5EF4-FFF2-40B4-BE49-F238E27FC236}">
+                <a16:creationId xmlns:a16="http://schemas.microsoft.com/office/drawing/2014/main" id="{BE09C7B5-B8AF-4C7C-A719-BBFBBE837DCC}"/>
+              </a:ext>
+            </a:extLst>
+          </p:cNvPr>
+          <p:cNvSpPr>
+            <a:spLocks noGrp="1"/>
+          </p:cNvSpPr>
+          <p:nvPr>
+            <p:ph type="title"/>
+          </p:nvPr>
+        </p:nvSpPr>
+        <p:spPr/>
+        <p:txBody>
+          <a:bodyPr/>
+          <a:lstStyle/>
+          <a:p>
+            <a:r>
+              <a:rPr lang="en-IN" dirty="0"/>
+              <a:t>Open Questions</a:t>
+            </a:r>
+          </a:p>
+        </p:txBody>
+      </p:sp>
+      <p:sp>
+        <p:nvSpPr>
+          <p:cNvPr id="2" name="Content Placeholder 1">
+            <a:extLst>
+              <a:ext uri="{FF2B5EF4-FFF2-40B4-BE49-F238E27FC236}">
+                <a16:creationId xmlns:a16="http://schemas.microsoft.com/office/drawing/2014/main" id="{EBD9D059-5E71-48F0-B909-582EFA92C0C7}"/>
+              </a:ext>
+            </a:extLst>
+          </p:cNvPr>
+          <p:cNvSpPr>
+            <a:spLocks noGrp="1"/>
+          </p:cNvSpPr>
+          <p:nvPr>
+            <p:ph sz="half" idx="1"/>
+          </p:nvPr>
+        </p:nvSpPr>
+        <p:spPr>
+          <a:xfrm>
+            <a:off x="323851" y="1268760"/>
+            <a:ext cx="5577644" cy="4968529"/>
+          </a:xfrm>
+        </p:spPr>
+        <p:txBody>
+          <a:bodyPr/>
+          <a:lstStyle/>
+          <a:p>
+            <a:r>
+              <a:rPr lang="en-IN" sz="1800" dirty="0"/>
+              <a:t>Community definition had the chicken and egg problem – size affects cost, and cost affects decisions which affects size</a:t>
+            </a:r>
+          </a:p>
+          <a:p>
+            <a:r>
+              <a:rPr lang="en-IN" sz="1800" dirty="0"/>
+              <a:t>If consider that building owner pays for community PV system, what size?</a:t>
+            </a:r>
+          </a:p>
+          <a:p>
+            <a:pPr lvl="1"/>
+            <a:r>
+              <a:rPr lang="en-IN" sz="1600" dirty="0"/>
+              <a:t>Hence, scenarios of different sizes, and see adoption levels in each vs individual adoption</a:t>
+            </a:r>
+          </a:p>
+          <a:p>
+            <a:pPr lvl="1"/>
+            <a:r>
+              <a:rPr lang="en-IN" sz="1600" dirty="0"/>
+              <a:t>Another problem arises – if building owner pays for community PV and agents simply consume energy at a price, then unfair to compare with individual adoption where agent must pay the capital cost of his system</a:t>
+            </a:r>
+          </a:p>
+          <a:p>
+            <a:pPr lvl="1"/>
+            <a:r>
+              <a:rPr lang="en-IN" sz="1600" dirty="0"/>
+              <a:t>Do a minimum number of people need to say YES to adopt community solar? Or is it the owner who decides to install solar, based on his own TPB?</a:t>
+            </a:r>
+          </a:p>
+        </p:txBody>
+      </p:sp>
+    </p:spTree>
+    <p:extLst>
+      <p:ext uri="{BB962C8B-B14F-4D97-AF65-F5344CB8AC3E}">
+        <p14:creationId xmlns:p14="http://schemas.microsoft.com/office/powerpoint/2010/main" val="3942558112"/>
+      </p:ext>
+    </p:extLst>
+  </p:cSld>
+  <p:clrMapOvr>
+    <a:masterClrMapping/>
+  </p:clrMapOvr>
+  <p:transition>
+    <p:fade/>
+  </p:transition>
+</p:sld>
+</file>
+
+<file path=ppt/slides/slide14.xml><?xml version="1.0" encoding="utf-8"?>
+<p:sld xmlns:a="http://schemas.openxmlformats.org/drawingml/2006/main" xmlns:r="http://schemas.openxmlformats.org/officeDocument/2006/relationships" xmlns:p="http://schemas.openxmlformats.org/presentationml/2006/main">
+  <p:cSld>
+    <p:spTree>
+      <p:nvGrpSpPr>
+        <p:cNvPr id="1" name=""/>
+        <p:cNvGrpSpPr/>
+        <p:nvPr/>
+      </p:nvGrpSpPr>
+      <p:grpSpPr>
+        <a:xfrm>
+          <a:off x="0" y="0"/>
+          <a:ext cx="0" cy="0"/>
+          <a:chOff x="0" y="0"/>
+          <a:chExt cx="0" cy="0"/>
+        </a:xfrm>
+      </p:grpSpPr>
+      <p:sp>
+        <p:nvSpPr>
+          <p:cNvPr id="12" name="Content Placeholder 11">
+            <a:extLst>
+              <a:ext uri="{FF2B5EF4-FFF2-40B4-BE49-F238E27FC236}">
+                <a16:creationId xmlns:a16="http://schemas.microsoft.com/office/drawing/2014/main" id="{D9D34A92-2034-4BEC-A86D-02719BD12284}"/>
+              </a:ext>
+            </a:extLst>
+          </p:cNvPr>
+          <p:cNvSpPr>
+            <a:spLocks noGrp="1"/>
+          </p:cNvSpPr>
+          <p:nvPr>
+            <p:ph idx="1"/>
+          </p:nvPr>
+        </p:nvSpPr>
+        <p:spPr/>
+        <p:txBody>
+          <a:bodyPr/>
+          <a:lstStyle/>
+          <a:p>
+            <a:r>
+              <a:rPr lang="en-IN" dirty="0"/>
+              <a:t>Finalize modelling methodology – my theory of how decision making will work</a:t>
+            </a:r>
+          </a:p>
+          <a:p>
+            <a:r>
+              <a:rPr lang="en-IN" dirty="0"/>
+              <a:t>Make plots out of the Wiedikon area – QGIS and </a:t>
+            </a:r>
+            <a:r>
+              <a:rPr lang="en-IN" dirty="0" err="1"/>
+              <a:t>OpenStreetMaps</a:t>
+            </a:r>
+            <a:endParaRPr lang="en-IN" dirty="0"/>
+          </a:p>
+          <a:p>
+            <a:r>
+              <a:rPr lang="en-IN" dirty="0"/>
+              <a:t>Use SFOE </a:t>
+            </a:r>
+            <a:r>
+              <a:rPr lang="en-IN" dirty="0" err="1"/>
+              <a:t>GeoInformatics</a:t>
+            </a:r>
+            <a:r>
+              <a:rPr lang="en-IN" dirty="0"/>
+              <a:t> office data as CEA PV tool validation</a:t>
+            </a:r>
+          </a:p>
+          <a:p>
+            <a:r>
+              <a:rPr lang="en-IN" dirty="0"/>
+              <a:t>Modelling basics</a:t>
+            </a:r>
+          </a:p>
+          <a:p>
+            <a:pPr lvl="1"/>
+            <a:r>
+              <a:rPr lang="en-IN" dirty="0"/>
+              <a:t>Data collection</a:t>
+            </a:r>
+          </a:p>
+          <a:p>
+            <a:pPr lvl="1"/>
+            <a:r>
+              <a:rPr lang="en-IN" dirty="0"/>
+              <a:t>Data filtering</a:t>
+            </a:r>
+          </a:p>
+          <a:p>
+            <a:pPr lvl="1"/>
+            <a:r>
+              <a:rPr lang="en-IN" dirty="0"/>
+              <a:t>How to model TPB</a:t>
+            </a:r>
+          </a:p>
+          <a:p>
+            <a:endParaRPr lang="en-IN" dirty="0"/>
+          </a:p>
+          <a:p>
+            <a:endParaRPr lang="en-IN" dirty="0"/>
+          </a:p>
+        </p:txBody>
+      </p:sp>
+      <p:sp>
+        <p:nvSpPr>
+          <p:cNvPr id="4" name="Date Placeholder 3">
+            <a:extLst>
+              <a:ext uri="{FF2B5EF4-FFF2-40B4-BE49-F238E27FC236}">
+                <a16:creationId xmlns:a16="http://schemas.microsoft.com/office/drawing/2014/main" id="{7A8C7F60-0AA6-483F-853F-DC0E59783432}"/>
+              </a:ext>
+            </a:extLst>
+          </p:cNvPr>
+          <p:cNvSpPr>
+            <a:spLocks noGrp="1"/>
+          </p:cNvSpPr>
+          <p:nvPr>
+            <p:ph type="dt" sz="half" idx="10"/>
+          </p:nvPr>
+        </p:nvSpPr>
+        <p:spPr/>
+        <p:txBody>
+          <a:bodyPr/>
+          <a:lstStyle/>
+          <a:p>
+            <a:r>
+              <a:rPr lang="en-GB"/>
+              <a:t>1.12.2014</a:t>
+            </a:r>
+            <a:endParaRPr lang="en-GB" dirty="0"/>
+          </a:p>
+        </p:txBody>
+      </p:sp>
+      <p:sp>
+        <p:nvSpPr>
+          <p:cNvPr id="5" name="Footer Placeholder 4">
+            <a:extLst>
+              <a:ext uri="{FF2B5EF4-FFF2-40B4-BE49-F238E27FC236}">
+                <a16:creationId xmlns:a16="http://schemas.microsoft.com/office/drawing/2014/main" id="{37401D6C-2D27-46D2-A7D7-223BC763B2B2}"/>
+              </a:ext>
+            </a:extLst>
+          </p:cNvPr>
+          <p:cNvSpPr>
+            <a:spLocks noGrp="1"/>
+          </p:cNvSpPr>
+          <p:nvPr>
+            <p:ph type="ftr" sz="quarter" idx="11"/>
+          </p:nvPr>
+        </p:nvSpPr>
+        <p:spPr/>
+        <p:txBody>
+          <a:bodyPr/>
+          <a:lstStyle/>
+          <a:p>
+            <a:r>
+              <a:rPr lang="en-GB"/>
+              <a:t>First name Surname (edit via “Insert” &gt; “Header &amp; Footer”)</a:t>
+            </a:r>
+            <a:endParaRPr lang="en-GB" dirty="0"/>
+          </a:p>
+        </p:txBody>
+      </p:sp>
+      <p:sp>
+        <p:nvSpPr>
+          <p:cNvPr id="6" name="Slide Number Placeholder 5">
+            <a:extLst>
+              <a:ext uri="{FF2B5EF4-FFF2-40B4-BE49-F238E27FC236}">
+                <a16:creationId xmlns:a16="http://schemas.microsoft.com/office/drawing/2014/main" id="{614432BE-26A4-4887-B789-AFAE09B88DC5}"/>
+              </a:ext>
+            </a:extLst>
+          </p:cNvPr>
+          <p:cNvSpPr>
+            <a:spLocks noGrp="1"/>
+          </p:cNvSpPr>
+          <p:nvPr>
+            <p:ph type="sldNum" sz="quarter" idx="12"/>
+          </p:nvPr>
+        </p:nvSpPr>
+        <p:spPr/>
+        <p:txBody>
+          <a:bodyPr/>
+          <a:lstStyle/>
+          <a:p>
+            <a:fld id="{6C6AE60A-B69C-4790-82F7-3882EDF23186}" type="slidenum">
+              <a:rPr lang="en-GB" smtClean="0"/>
+              <a:t>14</a:t>
+            </a:fld>
+            <a:endParaRPr lang="en-GB" dirty="0"/>
+          </a:p>
+        </p:txBody>
+      </p:sp>
+      <p:sp>
+        <p:nvSpPr>
+          <p:cNvPr id="11" name="Title 10">
+            <a:extLst>
+              <a:ext uri="{FF2B5EF4-FFF2-40B4-BE49-F238E27FC236}">
+                <a16:creationId xmlns:a16="http://schemas.microsoft.com/office/drawing/2014/main" id="{F1AAEE34-73FA-4CE1-BAB2-AD99B8599184}"/>
+              </a:ext>
+            </a:extLst>
+          </p:cNvPr>
+          <p:cNvSpPr>
+            <a:spLocks noGrp="1"/>
+          </p:cNvSpPr>
+          <p:nvPr>
+            <p:ph type="title"/>
+          </p:nvPr>
+        </p:nvSpPr>
+        <p:spPr/>
+        <p:txBody>
+          <a:bodyPr/>
+          <a:lstStyle/>
+          <a:p>
+            <a:r>
+              <a:rPr lang="en-IN" dirty="0"/>
+              <a:t>Next 2 Weeks</a:t>
+            </a:r>
+          </a:p>
+        </p:txBody>
+      </p:sp>
+    </p:spTree>
+    <p:extLst>
+      <p:ext uri="{BB962C8B-B14F-4D97-AF65-F5344CB8AC3E}">
+        <p14:creationId xmlns:p14="http://schemas.microsoft.com/office/powerpoint/2010/main" val="2598008454"/>
       </p:ext>
     </p:extLst>
   </p:cSld>
@@ -41568,12 +42588,28 @@
             <p:ph type="ctrTitle"/>
           </p:nvPr>
         </p:nvSpPr>
-        <p:spPr/>
+        <p:spPr>
+          <a:xfrm>
+            <a:off x="323850" y="4823306"/>
+            <a:ext cx="11537950" cy="1013969"/>
+          </a:xfrm>
+        </p:spPr>
         <p:txBody>
           <a:bodyPr/>
           <a:lstStyle/>
           <a:p>
-            <a:endParaRPr lang="en-GB" dirty="0"/>
+            <a:r>
+              <a:rPr lang="en-GB" dirty="0"/>
+              <a:t>Alt-</a:t>
+            </a:r>
+            <a:r>
+              <a:rPr lang="en-GB" dirty="0" err="1"/>
+              <a:t>Wiedikon</a:t>
+            </a:r>
+            <a:r>
+              <a:rPr lang="en-GB" dirty="0"/>
+              <a:t> is beautiful. </a:t>
+            </a:r>
           </a:p>
         </p:txBody>
       </p:sp>
@@ -41592,7 +42628,10 @@
           <a:bodyPr/>
           <a:lstStyle/>
           <a:p>
-            <a:endParaRPr lang="en-GB" dirty="0"/>
+            <a:r>
+              <a:rPr lang="en-GB" dirty="0"/>
+              <a:t> </a:t>
+            </a:r>
           </a:p>
         </p:txBody>
       </p:sp>
@@ -41664,18 +42703,37 @@
           </a:p>
         </p:txBody>
       </p:sp>
-      <p:sp>
-        <p:nvSpPr>
-          <p:cNvPr id="13" name="Bildplatzhalter 12"/>
-          <p:cNvSpPr>
-            <a:spLocks noGrp="1"/>
-          </p:cNvSpPr>
+      <p:pic>
+        <p:nvPicPr>
+          <p:cNvPr id="3" name="Picture Placeholder 2" descr="A close up of a map&#10;&#10;Description generated with high confidence">
+            <a:extLst>
+              <a:ext uri="{FF2B5EF4-FFF2-40B4-BE49-F238E27FC236}">
+                <a16:creationId xmlns:a16="http://schemas.microsoft.com/office/drawing/2014/main" id="{D3AA142E-EC90-4C86-ADBD-4538EEC1D8F4}"/>
+              </a:ext>
+            </a:extLst>
+          </p:cNvPr>
+          <p:cNvPicPr>
+            <a:picLocks noGrp="1" noChangeAspect="1"/>
+          </p:cNvPicPr>
           <p:nvPr>
             <p:ph type="pic" sz="quarter" idx="13"/>
           </p:nvPr>
-        </p:nvSpPr>
+        </p:nvPicPr>
+        <p:blipFill>
+          <a:blip r:embed="rId2">
+            <a:extLst>
+              <a:ext uri="{28A0092B-C50C-407E-A947-70E740481C1C}">
+                <a14:useLocalDpi xmlns:a14="http://schemas.microsoft.com/office/drawing/2010/main" val="0"/>
+              </a:ext>
+            </a:extLst>
+          </a:blip>
+          <a:srcRect t="27110" b="27110"/>
+          <a:stretch>
+            <a:fillRect/>
+          </a:stretch>
+        </p:blipFill>
         <p:spPr/>
-      </p:sp>
+      </p:pic>
     </p:spTree>
     <p:extLst>
       <p:ext uri="{BB962C8B-B14F-4D97-AF65-F5344CB8AC3E}">
@@ -41711,31 +42769,148 @@
       </p:grpSpPr>
       <p:sp>
         <p:nvSpPr>
-          <p:cNvPr id="11" name="Titel 10"/>
-          <p:cNvSpPr>
-            <a:spLocks noGrp="1"/>
-          </p:cNvSpPr>
-          <p:nvPr>
-            <p:ph type="ctrTitle"/>
-          </p:nvPr>
-        </p:nvSpPr>
-        <p:spPr/>
+          <p:cNvPr id="9" name="Content Placeholder 8">
+            <a:extLst>
+              <a:ext uri="{FF2B5EF4-FFF2-40B4-BE49-F238E27FC236}">
+                <a16:creationId xmlns:a16="http://schemas.microsoft.com/office/drawing/2014/main" id="{7FE649F3-122F-4A41-988C-C202773B7A67}"/>
+              </a:ext>
+            </a:extLst>
+          </p:cNvPr>
+          <p:cNvSpPr>
+            <a:spLocks noGrp="1"/>
+          </p:cNvSpPr>
+          <p:nvPr>
+            <p:ph idx="1"/>
+          </p:nvPr>
+        </p:nvSpPr>
+        <p:spPr>
+          <a:solidFill>
+            <a:schemeClr val="accent1">
+              <a:lumMod val="75000"/>
+            </a:schemeClr>
+          </a:solidFill>
+        </p:spPr>
         <p:txBody>
           <a:bodyPr/>
           <a:lstStyle/>
           <a:p>
-            <a:endParaRPr lang="en-GB" dirty="0"/>
-          </a:p>
-        </p:txBody>
-      </p:sp>
-      <p:sp>
-        <p:nvSpPr>
-          <p:cNvPr id="12" name="Untertitel 11"/>
-          <p:cNvSpPr>
-            <a:spLocks noGrp="1"/>
-          </p:cNvSpPr>
-          <p:nvPr>
-            <p:ph type="subTitle" idx="1"/>
+            <a:pPr marL="0" indent="0">
+              <a:buNone/>
+            </a:pPr>
+            <a:endParaRPr lang="en-IN" dirty="0">
+              <a:solidFill>
+                <a:schemeClr val="bg1"/>
+              </a:solidFill>
+            </a:endParaRPr>
+          </a:p>
+          <a:p>
+            <a:pPr marL="0" indent="0">
+              <a:buNone/>
+            </a:pPr>
+            <a:endParaRPr lang="en-IN" dirty="0">
+              <a:solidFill>
+                <a:schemeClr val="bg1"/>
+              </a:solidFill>
+            </a:endParaRPr>
+          </a:p>
+          <a:p>
+            <a:pPr marL="0" indent="0">
+              <a:buNone/>
+            </a:pPr>
+            <a:endParaRPr lang="en-IN" dirty="0">
+              <a:solidFill>
+                <a:schemeClr val="bg1"/>
+              </a:solidFill>
+            </a:endParaRPr>
+          </a:p>
+          <a:p>
+            <a:pPr marL="0" indent="0" algn="ctr">
+              <a:buNone/>
+            </a:pPr>
+            <a:r>
+              <a:rPr lang="en-IN" dirty="0">
+                <a:solidFill>
+                  <a:schemeClr val="bg1"/>
+                </a:solidFill>
+              </a:rPr>
+              <a:t>“I think I know why no one has tried to model community adoption before.</a:t>
+            </a:r>
+          </a:p>
+          <a:p>
+            <a:pPr marL="0" indent="0" algn="ctr">
+              <a:buNone/>
+            </a:pPr>
+            <a:r>
+              <a:rPr lang="en-IN" dirty="0">
+                <a:solidFill>
+                  <a:schemeClr val="bg1"/>
+                </a:solidFill>
+              </a:rPr>
+              <a:t>This shit is complicated.”</a:t>
+            </a:r>
+          </a:p>
+          <a:p>
+            <a:pPr marL="0" indent="0" algn="ctr">
+              <a:buNone/>
+            </a:pPr>
+            <a:endParaRPr lang="en-IN" dirty="0">
+              <a:solidFill>
+                <a:schemeClr val="bg1"/>
+              </a:solidFill>
+            </a:endParaRPr>
+          </a:p>
+          <a:p>
+            <a:pPr marL="0" indent="0" algn="r">
+              <a:buNone/>
+            </a:pPr>
+            <a:r>
+              <a:rPr lang="en-IN" dirty="0">
+                <a:solidFill>
+                  <a:schemeClr val="bg1"/>
+                </a:solidFill>
+              </a:rPr>
+              <a:t>~ Prakhar Mehta</a:t>
+            </a:r>
+          </a:p>
+          <a:p>
+            <a:pPr marL="0" indent="0" algn="r">
+              <a:buNone/>
+            </a:pPr>
+            <a:endParaRPr lang="en-IN" dirty="0">
+              <a:solidFill>
+                <a:schemeClr val="bg1"/>
+              </a:solidFill>
+            </a:endParaRPr>
+          </a:p>
+          <a:p>
+            <a:pPr marL="0" indent="0" algn="ctr">
+              <a:buNone/>
+            </a:pPr>
+            <a:r>
+              <a:rPr lang="en-IN" dirty="0">
+                <a:solidFill>
+                  <a:schemeClr val="bg1"/>
+                </a:solidFill>
+              </a:rPr>
+              <a:t>“I like complicated.”</a:t>
+            </a:r>
+          </a:p>
+        </p:txBody>
+      </p:sp>
+      <p:sp>
+        <p:nvSpPr>
+          <p:cNvPr id="4" name="Date Placeholder 3">
+            <a:extLst>
+              <a:ext uri="{FF2B5EF4-FFF2-40B4-BE49-F238E27FC236}">
+                <a16:creationId xmlns:a16="http://schemas.microsoft.com/office/drawing/2014/main" id="{FF8546A0-33E2-461F-A79A-6ACBB8F752EB}"/>
+              </a:ext>
+            </a:extLst>
+          </p:cNvPr>
+          <p:cNvSpPr>
+            <a:spLocks noGrp="1"/>
+          </p:cNvSpPr>
+          <p:nvPr>
+            <p:ph type="dt" sz="half" idx="10"/>
           </p:nvPr>
         </p:nvSpPr>
         <p:spPr/>
@@ -41743,18 +42918,28 @@
           <a:bodyPr/>
           <a:lstStyle/>
           <a:p>
+            <a:r>
+              <a:rPr lang="en-GB"/>
+              <a:t>1.12.2014</a:t>
+            </a:r>
             <a:endParaRPr lang="en-GB" dirty="0"/>
           </a:p>
         </p:txBody>
       </p:sp>
       <p:sp>
         <p:nvSpPr>
-          <p:cNvPr id="4" name="Datumsplatzhalter 3"/>
-          <p:cNvSpPr>
-            <a:spLocks noGrp="1"/>
-          </p:cNvSpPr>
-          <p:nvPr>
-            <p:ph type="dt" sz="half" idx="10"/>
+          <p:cNvPr id="5" name="Footer Placeholder 4">
+            <a:extLst>
+              <a:ext uri="{FF2B5EF4-FFF2-40B4-BE49-F238E27FC236}">
+                <a16:creationId xmlns:a16="http://schemas.microsoft.com/office/drawing/2014/main" id="{DCBE10E7-8DDE-427C-8313-4477C56CC246}"/>
+              </a:ext>
+            </a:extLst>
+          </p:cNvPr>
+          <p:cNvSpPr>
+            <a:spLocks noGrp="1"/>
+          </p:cNvSpPr>
+          <p:nvPr>
+            <p:ph type="ftr" sz="quarter" idx="11"/>
           </p:nvPr>
         </p:nvSpPr>
         <p:spPr/>
@@ -41763,20 +42948,27 @@
           <a:lstStyle/>
           <a:p>
             <a:r>
-              <a:rPr lang="en-GB" dirty="0"/>
-              <a:t>1.12.2014</a:t>
-            </a:r>
-          </a:p>
-        </p:txBody>
-      </p:sp>
-      <p:sp>
-        <p:nvSpPr>
-          <p:cNvPr id="5" name="Fußzeilenplatzhalter 4"/>
-          <p:cNvSpPr>
-            <a:spLocks noGrp="1"/>
-          </p:cNvSpPr>
-          <p:nvPr>
-            <p:ph type="ftr" sz="quarter" idx="11"/>
+              <a:rPr lang="en-GB"/>
+              <a:t>First name Surname (edit via “Insert” &gt; “Header &amp; Footer”)</a:t>
+            </a:r>
+            <a:endParaRPr lang="en-GB" dirty="0"/>
+          </a:p>
+        </p:txBody>
+      </p:sp>
+      <p:sp>
+        <p:nvSpPr>
+          <p:cNvPr id="6" name="Slide Number Placeholder 5">
+            <a:extLst>
+              <a:ext uri="{FF2B5EF4-FFF2-40B4-BE49-F238E27FC236}">
+                <a16:creationId xmlns:a16="http://schemas.microsoft.com/office/drawing/2014/main" id="{9DD994D3-9BA5-4A1C-93FD-41D1C9F7B0BB}"/>
+              </a:ext>
+            </a:extLst>
+          </p:cNvPr>
+          <p:cNvSpPr>
+            <a:spLocks noGrp="1"/>
+          </p:cNvSpPr>
+          <p:nvPr>
+            <p:ph type="sldNum" sz="quarter" idx="12"/>
           </p:nvPr>
         </p:nvSpPr>
         <p:spPr/>
@@ -41784,31 +42976,8 @@
           <a:bodyPr/>
           <a:lstStyle/>
           <a:p>
-            <a:r>
-              <a:rPr lang="en-GB" dirty="0"/>
-              <a:t>First name Surname (edit via “Insert” &gt; “Header &amp; Footer”)</a:t>
-            </a:r>
-          </a:p>
-        </p:txBody>
-      </p:sp>
-      <p:sp>
-        <p:nvSpPr>
-          <p:cNvPr id="6" name="Foliennummernplatzhalter 5"/>
-          <p:cNvSpPr>
-            <a:spLocks noGrp="1"/>
-          </p:cNvSpPr>
-          <p:nvPr>
-            <p:ph type="sldNum" sz="quarter" idx="12"/>
-          </p:nvPr>
-        </p:nvSpPr>
-        <p:spPr/>
-        <p:txBody>
-          <a:bodyPr/>
-          <a:lstStyle/>
-          <a:p>
             <a:fld id="{6C6AE60A-B69C-4790-82F7-3882EDF23186}" type="slidenum">
               <a:rPr lang="en-GB" smtClean="0"/>
-              <a:pPr/>
               <a:t>3</a:t>
             </a:fld>
             <a:endParaRPr lang="en-GB" dirty="0"/>
@@ -41817,20 +42986,36 @@
       </p:sp>
       <p:sp>
         <p:nvSpPr>
-          <p:cNvPr id="13" name="Bildplatzhalter 12"/>
-          <p:cNvSpPr>
-            <a:spLocks noGrp="1"/>
-          </p:cNvSpPr>
-          <p:nvPr>
-            <p:ph type="pic" sz="quarter" idx="13"/>
+          <p:cNvPr id="8" name="Title 7">
+            <a:extLst>
+              <a:ext uri="{FF2B5EF4-FFF2-40B4-BE49-F238E27FC236}">
+                <a16:creationId xmlns:a16="http://schemas.microsoft.com/office/drawing/2014/main" id="{1B77E23A-998F-4D17-BEA4-7DBAE3225333}"/>
+              </a:ext>
+            </a:extLst>
+          </p:cNvPr>
+          <p:cNvSpPr>
+            <a:spLocks noGrp="1"/>
+          </p:cNvSpPr>
+          <p:nvPr>
+            <p:ph type="title"/>
           </p:nvPr>
         </p:nvSpPr>
         <p:spPr/>
+        <p:txBody>
+          <a:bodyPr/>
+          <a:lstStyle/>
+          <a:p>
+            <a:r>
+              <a:rPr lang="en-IN" dirty="0"/>
+              <a:t>Quote(s) of the month</a:t>
+            </a:r>
+          </a:p>
+        </p:txBody>
       </p:sp>
     </p:spTree>
     <p:extLst>
       <p:ext uri="{BB962C8B-B14F-4D97-AF65-F5344CB8AC3E}">
-        <p14:creationId xmlns:p14="http://schemas.microsoft.com/office/powerpoint/2010/main" val="3801771638"/>
+        <p14:creationId xmlns:p14="http://schemas.microsoft.com/office/powerpoint/2010/main" val="1650687635"/>
       </p:ext>
     </p:extLst>
   </p:cSld>
@@ -41860,58 +43045,178 @@
           <a:chExt cx="0" cy="0"/>
         </a:xfrm>
       </p:grpSpPr>
-      <p:pic>
-        <p:nvPicPr>
-          <p:cNvPr id="9" name="Bildplatzhalter 8"/>
-          <p:cNvPicPr>
-            <a:picLocks noGrp="1" noChangeAspect="1"/>
-          </p:cNvPicPr>
-          <p:nvPr>
-            <p:ph type="pic" sz="quarter" idx="10"/>
-          </p:nvPr>
-        </p:nvPicPr>
-        <p:blipFill>
-          <a:blip r:embed="rId2">
-            <a:extLst>
-              <a:ext uri="{28A0092B-C50C-407E-A947-70E740481C1C}">
-                <a14:useLocalDpi xmlns:a14="http://schemas.microsoft.com/office/drawing/2010/main" val="0"/>
-              </a:ext>
-            </a:extLst>
-          </a:blip>
-          <a:srcRect t="5" b="5"/>
-          <a:stretch>
-            <a:fillRect/>
-          </a:stretch>
-        </p:blipFill>
-        <p:spPr/>
-      </p:pic>
-      <p:sp>
-        <p:nvSpPr>
-          <p:cNvPr id="3" name="Titel 2"/>
-          <p:cNvSpPr>
-            <a:spLocks noGrp="1"/>
-          </p:cNvSpPr>
-          <p:nvPr>
-            <p:ph type="ctrTitle"/>
-          </p:nvPr>
-        </p:nvSpPr>
-        <p:spPr/>
+      <p:sp>
+        <p:nvSpPr>
+          <p:cNvPr id="11" name="Inhaltsplatzhalter 10"/>
+          <p:cNvSpPr>
+            <a:spLocks noGrp="1"/>
+          </p:cNvSpPr>
+          <p:nvPr>
+            <p:ph idx="1"/>
+          </p:nvPr>
+        </p:nvSpPr>
+        <p:spPr>
+          <a:xfrm>
+            <a:off x="323850" y="1592714"/>
+            <a:ext cx="11537950" cy="4641396"/>
+          </a:xfrm>
+        </p:spPr>
         <p:txBody>
           <a:bodyPr/>
           <a:lstStyle/>
           <a:p>
+            <a:pPr>
+              <a:buFont typeface="Arial" panose="020B0604020202020204" pitchFamily="34" charset="0"/>
+              <a:buChar char="•"/>
+            </a:pPr>
+            <a:r>
+              <a:rPr lang="en-GB" dirty="0"/>
+              <a:t>Status</a:t>
+            </a:r>
+          </a:p>
+          <a:p>
+            <a:pPr lvl="1">
+              <a:buFont typeface="Arial" panose="020B0604020202020204" pitchFamily="34" charset="0"/>
+              <a:buChar char="•"/>
+            </a:pPr>
+            <a:r>
+              <a:rPr lang="en-GB" dirty="0"/>
+              <a:t>ZEV regulation – now 100% clear!</a:t>
+            </a:r>
+          </a:p>
+          <a:p>
+            <a:pPr lvl="1">
+              <a:buFont typeface="Arial" panose="020B0604020202020204" pitchFamily="34" charset="0"/>
+              <a:buChar char="•"/>
+            </a:pPr>
+            <a:r>
+              <a:rPr lang="en-GB" dirty="0"/>
+              <a:t>Adoption mechanism</a:t>
+            </a:r>
+          </a:p>
+          <a:p>
+            <a:pPr lvl="2">
+              <a:buFont typeface="Arial" panose="020B0604020202020204" pitchFamily="34" charset="0"/>
+              <a:buChar char="•"/>
+            </a:pPr>
+            <a:r>
+              <a:rPr lang="en-GB" dirty="0"/>
+              <a:t>Some ground rules</a:t>
+            </a:r>
+          </a:p>
+          <a:p>
+            <a:pPr lvl="2">
+              <a:buFont typeface="Arial" panose="020B0604020202020204" pitchFamily="34" charset="0"/>
+              <a:buChar char="•"/>
+            </a:pPr>
+            <a:r>
+              <a:rPr lang="en-GB" dirty="0"/>
+              <a:t>Agent attributes</a:t>
+            </a:r>
+          </a:p>
+          <a:p>
+            <a:pPr lvl="2">
+              <a:buFont typeface="Arial" panose="020B0604020202020204" pitchFamily="34" charset="0"/>
+              <a:buChar char="•"/>
+            </a:pPr>
+            <a:r>
+              <a:rPr lang="en-GB" dirty="0"/>
+              <a:t>Variables, Parameters</a:t>
+            </a:r>
+          </a:p>
+          <a:p>
+            <a:pPr lvl="2">
+              <a:buFont typeface="Arial" panose="020B0604020202020204" pitchFamily="34" charset="0"/>
+              <a:buChar char="•"/>
+            </a:pPr>
+            <a:r>
+              <a:rPr lang="en-GB" dirty="0"/>
+              <a:t>How it should work (partly, as of now)</a:t>
+            </a:r>
+          </a:p>
+          <a:p>
+            <a:pPr lvl="2">
+              <a:buFont typeface="Arial" panose="020B0604020202020204" pitchFamily="34" charset="0"/>
+              <a:buChar char="•"/>
+            </a:pPr>
+            <a:r>
+              <a:rPr lang="en-GB" dirty="0"/>
+              <a:t>Open questions</a:t>
+            </a:r>
+          </a:p>
+          <a:p>
+            <a:pPr>
+              <a:buFont typeface="Arial" panose="020B0604020202020204" pitchFamily="34" charset="0"/>
+              <a:buChar char="•"/>
+            </a:pPr>
+            <a:r>
+              <a:rPr lang="en-GB" dirty="0"/>
+              <a:t>Next 2 weeks</a:t>
+            </a:r>
+          </a:p>
+          <a:p>
+            <a:pPr lvl="1">
+              <a:buFont typeface="Arial" panose="020B0604020202020204" pitchFamily="34" charset="0"/>
+              <a:buChar char="•"/>
+            </a:pPr>
+            <a:r>
+              <a:rPr lang="en-GB" dirty="0"/>
+              <a:t>Finalizing the modelling </a:t>
+            </a:r>
+          </a:p>
+          <a:p>
+            <a:pPr lvl="1">
+              <a:buFont typeface="Arial" panose="020B0604020202020204" pitchFamily="34" charset="0"/>
+              <a:buChar char="•"/>
+            </a:pPr>
+            <a:r>
+              <a:rPr lang="en-GB" dirty="0"/>
+              <a:t>Data collection and filtering</a:t>
+            </a:r>
+          </a:p>
+          <a:p>
+            <a:pPr lvl="1">
+              <a:buFont typeface="Arial" panose="020B0604020202020204" pitchFamily="34" charset="0"/>
+              <a:buChar char="•"/>
+            </a:pPr>
+            <a:r>
+              <a:rPr lang="en-GB" dirty="0"/>
+              <a:t>Modelling basics and outline</a:t>
+            </a:r>
+          </a:p>
+          <a:p>
+            <a:pPr lvl="1">
+              <a:buFont typeface="Arial" panose="020B0604020202020204" pitchFamily="34" charset="0"/>
+              <a:buChar char="•"/>
+            </a:pPr>
             <a:endParaRPr lang="en-GB" dirty="0"/>
           </a:p>
-        </p:txBody>
-      </p:sp>
-      <p:sp>
-        <p:nvSpPr>
-          <p:cNvPr id="6" name="Untertitel 5"/>
-          <p:cNvSpPr>
-            <a:spLocks noGrp="1"/>
-          </p:cNvSpPr>
-          <p:nvPr>
-            <p:ph type="subTitle" idx="1"/>
+          <a:p>
+            <a:pPr lvl="1">
+              <a:buFont typeface="Arial" panose="020B0604020202020204" pitchFamily="34" charset="0"/>
+              <a:buChar char="•"/>
+            </a:pPr>
+            <a:endParaRPr lang="en-GB" dirty="0"/>
+          </a:p>
+          <a:p>
+            <a:pPr marL="0" indent="0">
+              <a:buNone/>
+            </a:pPr>
+            <a:endParaRPr lang="en-GB" dirty="0"/>
+          </a:p>
+          <a:p>
+            <a:endParaRPr lang="en-GB" dirty="0"/>
+          </a:p>
+        </p:txBody>
+      </p:sp>
+      <p:sp>
+        <p:nvSpPr>
+          <p:cNvPr id="3" name="Datumsplatzhalter 2"/>
+          <p:cNvSpPr>
+            <a:spLocks noGrp="1"/>
+          </p:cNvSpPr>
+          <p:nvPr>
+            <p:ph type="dt" sz="half" idx="10"/>
           </p:nvPr>
         </p:nvSpPr>
         <p:spPr/>
@@ -41919,194 +43224,85 @@
           <a:bodyPr/>
           <a:lstStyle/>
           <a:p>
+            <a:r>
+              <a:rPr lang="en-GB" dirty="0"/>
+              <a:t>1.12.2014</a:t>
+            </a:r>
+          </a:p>
+        </p:txBody>
+      </p:sp>
+      <p:sp>
+        <p:nvSpPr>
+          <p:cNvPr id="4" name="Fußzeilenplatzhalter 3"/>
+          <p:cNvSpPr>
+            <a:spLocks noGrp="1"/>
+          </p:cNvSpPr>
+          <p:nvPr>
+            <p:ph type="ftr" sz="quarter" idx="11"/>
+          </p:nvPr>
+        </p:nvSpPr>
+        <p:spPr/>
+        <p:txBody>
+          <a:bodyPr/>
+          <a:lstStyle/>
+          <a:p>
+            <a:r>
+              <a:rPr lang="en-GB" dirty="0"/>
+              <a:t>First name Surname (edit via “Insert” &gt; “Header &amp; Footer”)</a:t>
+            </a:r>
+          </a:p>
+        </p:txBody>
+      </p:sp>
+      <p:sp>
+        <p:nvSpPr>
+          <p:cNvPr id="5" name="Foliennummernplatzhalter 4"/>
+          <p:cNvSpPr>
+            <a:spLocks noGrp="1"/>
+          </p:cNvSpPr>
+          <p:nvPr>
+            <p:ph type="sldNum" sz="quarter" idx="12"/>
+          </p:nvPr>
+        </p:nvSpPr>
+        <p:spPr/>
+        <p:txBody>
+          <a:bodyPr/>
+          <a:lstStyle/>
+          <a:p>
+            <a:fld id="{6C6AE60A-B69C-4790-82F7-3882EDF23186}" type="slidenum">
+              <a:rPr lang="en-GB" smtClean="0"/>
+              <a:pPr/>
+              <a:t>4</a:t>
+            </a:fld>
             <a:endParaRPr lang="en-GB" dirty="0"/>
           </a:p>
         </p:txBody>
       </p:sp>
-      <p:grpSp>
-        <p:nvGrpSpPr>
-          <p:cNvPr id="10" name="Gruppieren 9"/>
-          <p:cNvGrpSpPr/>
-          <p:nvPr/>
-        </p:nvGrpSpPr>
-        <p:grpSpPr>
-          <a:xfrm>
-            <a:off x="144463" y="152401"/>
-            <a:ext cx="11897959" cy="612775"/>
-            <a:chOff x="144463" y="152401"/>
-            <a:chExt cx="11897959" cy="612775"/>
-          </a:xfrm>
-          <a:solidFill>
-            <a:schemeClr val="accent1"/>
-          </a:solidFill>
-        </p:grpSpPr>
-        <p:sp>
-          <p:nvSpPr>
-            <p:cNvPr id="11" name="Rechteck 10"/>
-            <p:cNvSpPr/>
-            <p:nvPr userDrawn="1"/>
-          </p:nvSpPr>
-          <p:spPr>
-            <a:xfrm>
-              <a:off x="144463" y="152401"/>
-              <a:ext cx="11896725" cy="471600"/>
-            </a:xfrm>
-            <a:prstGeom prst="rect">
-              <a:avLst/>
-            </a:prstGeom>
-            <a:grpFill/>
-            <a:ln>
-              <a:noFill/>
-            </a:ln>
-          </p:spPr>
-          <p:style>
-            <a:lnRef idx="2">
-              <a:schemeClr val="accent1">
-                <a:shade val="50000"/>
-              </a:schemeClr>
-            </a:lnRef>
-            <a:fillRef idx="1">
-              <a:schemeClr val="accent1"/>
-            </a:fillRef>
-            <a:effectRef idx="0">
-              <a:schemeClr val="accent1"/>
-            </a:effectRef>
-            <a:fontRef idx="minor">
-              <a:schemeClr val="lt1"/>
-            </a:fontRef>
-          </p:style>
-          <p:txBody>
-            <a:bodyPr rtlCol="0" anchor="ctr"/>
-            <a:lstStyle/>
-            <a:p>
-              <a:pPr algn="ctr"/>
-              <a:endParaRPr lang="en-GB" dirty="0"/>
-            </a:p>
-          </p:txBody>
-        </p:sp>
-        <p:sp>
-          <p:nvSpPr>
-            <p:cNvPr id="12" name="Rechteck 11"/>
-            <p:cNvSpPr/>
-            <p:nvPr userDrawn="1"/>
-          </p:nvSpPr>
-          <p:spPr>
-            <a:xfrm>
-              <a:off x="144463" y="597695"/>
-              <a:ext cx="186361" cy="167481"/>
-            </a:xfrm>
-            <a:prstGeom prst="rect">
-              <a:avLst/>
-            </a:prstGeom>
-            <a:grpFill/>
-            <a:ln>
-              <a:noFill/>
-            </a:ln>
-          </p:spPr>
-          <p:style>
-            <a:lnRef idx="2">
-              <a:schemeClr val="accent1">
-                <a:shade val="50000"/>
-              </a:schemeClr>
-            </a:lnRef>
-            <a:fillRef idx="1">
-              <a:schemeClr val="accent1"/>
-            </a:fillRef>
-            <a:effectRef idx="0">
-              <a:schemeClr val="accent1"/>
-            </a:effectRef>
-            <a:fontRef idx="minor">
-              <a:schemeClr val="lt1"/>
-            </a:fontRef>
-          </p:style>
-          <p:txBody>
-            <a:bodyPr rtlCol="0" anchor="ctr"/>
-            <a:lstStyle/>
-            <a:p>
-              <a:pPr algn="ctr"/>
-              <a:endParaRPr lang="en-GB" dirty="0"/>
-            </a:p>
-          </p:txBody>
-        </p:sp>
-        <p:sp>
-          <p:nvSpPr>
-            <p:cNvPr id="13" name="Rechteck 12"/>
-            <p:cNvSpPr/>
-            <p:nvPr userDrawn="1"/>
-          </p:nvSpPr>
-          <p:spPr>
-            <a:xfrm>
-              <a:off x="11855222" y="597694"/>
-              <a:ext cx="187200" cy="167481"/>
-            </a:xfrm>
-            <a:prstGeom prst="rect">
-              <a:avLst/>
-            </a:prstGeom>
-            <a:grpFill/>
-            <a:ln>
-              <a:noFill/>
-            </a:ln>
-          </p:spPr>
-          <p:style>
-            <a:lnRef idx="2">
-              <a:schemeClr val="accent1">
-                <a:shade val="50000"/>
-              </a:schemeClr>
-            </a:lnRef>
-            <a:fillRef idx="1">
-              <a:schemeClr val="accent1"/>
-            </a:fillRef>
-            <a:effectRef idx="0">
-              <a:schemeClr val="accent1"/>
-            </a:effectRef>
-            <a:fontRef idx="minor">
-              <a:schemeClr val="lt1"/>
-            </a:fontRef>
-          </p:style>
-          <p:txBody>
-            <a:bodyPr rtlCol="0" anchor="ctr"/>
-            <a:lstStyle/>
-            <a:p>
-              <a:pPr algn="ctr"/>
-              <a:endParaRPr lang="en-GB" dirty="0"/>
-            </a:p>
-          </p:txBody>
-        </p:sp>
-      </p:grpSp>
-      <p:pic>
-        <p:nvPicPr>
-          <p:cNvPr id="14" name="Bild 18" descr="g_eth_logo_kurz_neg_Schutzraum.eps"/>
-          <p:cNvPicPr>
-            <a:picLocks noChangeAspect="1"/>
-          </p:cNvPicPr>
-          <p:nvPr/>
-        </p:nvPicPr>
-        <p:blipFill>
-          <a:blip r:embed="rId3">
-            <a:extLst>
-              <a:ext uri="{28A0092B-C50C-407E-A947-70E740481C1C}">
-                <a14:useLocalDpi xmlns:a14="http://schemas.microsoft.com/office/drawing/2010/main" val="0"/>
-              </a:ext>
-            </a:extLst>
-          </a:blip>
-          <a:stretch>
-            <a:fillRect/>
-          </a:stretch>
-        </p:blipFill>
-        <p:spPr>
-          <a:xfrm>
-            <a:off x="324000" y="306000"/>
-            <a:ext cx="971061" cy="158400"/>
-          </a:xfrm>
-          <a:prstGeom prst="rect">
-            <a:avLst/>
-          </a:prstGeom>
-        </p:spPr>
-      </p:pic>
+      <p:sp>
+        <p:nvSpPr>
+          <p:cNvPr id="10" name="Titel 9"/>
+          <p:cNvSpPr>
+            <a:spLocks noGrp="1"/>
+          </p:cNvSpPr>
+          <p:nvPr>
+            <p:ph type="title"/>
+          </p:nvPr>
+        </p:nvSpPr>
+        <p:spPr/>
+        <p:txBody>
+          <a:bodyPr/>
+          <a:lstStyle/>
+          <a:p>
+            <a:r>
+              <a:rPr lang="en-GB" dirty="0"/>
+              <a:t>Agenda</a:t>
+            </a:r>
+          </a:p>
+        </p:txBody>
+      </p:sp>
     </p:spTree>
     <p:extLst>
       <p:ext uri="{BB962C8B-B14F-4D97-AF65-F5344CB8AC3E}">
-        <p14:creationId xmlns:p14="http://schemas.microsoft.com/office/powerpoint/2010/main" val="2956227373"/>
+        <p14:creationId xmlns:p14="http://schemas.microsoft.com/office/powerpoint/2010/main" val="2857788226"/>
       </p:ext>
     </p:extLst>
   </p:cSld>
@@ -42138,12 +43334,18 @@
       </p:grpSpPr>
       <p:sp>
         <p:nvSpPr>
-          <p:cNvPr id="11" name="Inhaltsplatzhalter 10"/>
-          <p:cNvSpPr>
-            <a:spLocks noGrp="1"/>
-          </p:cNvSpPr>
-          <p:nvPr>
-            <p:ph idx="1"/>
+          <p:cNvPr id="3" name="Date Placeholder 2">
+            <a:extLst>
+              <a:ext uri="{FF2B5EF4-FFF2-40B4-BE49-F238E27FC236}">
+                <a16:creationId xmlns:a16="http://schemas.microsoft.com/office/drawing/2014/main" id="{23F10339-F432-41D0-B90E-22001B1493FA}"/>
+              </a:ext>
+            </a:extLst>
+          </p:cNvPr>
+          <p:cNvSpPr>
+            <a:spLocks noGrp="1"/>
+          </p:cNvSpPr>
+          <p:nvPr>
+            <p:ph type="dt" sz="half" idx="10"/>
           </p:nvPr>
         </p:nvSpPr>
         <p:spPr/>
@@ -42151,138 +43353,28 @@
           <a:bodyPr/>
           <a:lstStyle/>
           <a:p>
-            <a:pPr>
-              <a:buFont typeface="Arial" panose="020B0604020202020204" pitchFamily="34" charset="0"/>
-              <a:buChar char="•"/>
-            </a:pPr>
-            <a:r>
-              <a:rPr lang="en-GB" dirty="0"/>
-              <a:t>Status</a:t>
-            </a:r>
-          </a:p>
-          <a:p>
-            <a:pPr lvl="1">
-              <a:buFont typeface="Arial" panose="020B0604020202020204" pitchFamily="34" charset="0"/>
-              <a:buChar char="•"/>
-            </a:pPr>
-            <a:r>
-              <a:rPr lang="en-GB" dirty="0"/>
-              <a:t>ZEV regulation mistake in understanding</a:t>
-            </a:r>
-          </a:p>
-          <a:p>
-            <a:pPr lvl="1">
-              <a:buFont typeface="Arial" panose="020B0604020202020204" pitchFamily="34" charset="0"/>
-              <a:buChar char="•"/>
-            </a:pPr>
-            <a:r>
-              <a:rPr lang="en-GB" dirty="0"/>
-              <a:t>Adoption mechanism</a:t>
-            </a:r>
-          </a:p>
-          <a:p>
-            <a:pPr lvl="2">
-              <a:buFont typeface="Arial" panose="020B0604020202020204" pitchFamily="34" charset="0"/>
-              <a:buChar char="•"/>
-            </a:pPr>
-            <a:r>
-              <a:rPr lang="en-GB" dirty="0"/>
-              <a:t>How I think it should work</a:t>
-            </a:r>
-          </a:p>
-          <a:p>
-            <a:pPr lvl="2">
-              <a:buFont typeface="Arial" panose="020B0604020202020204" pitchFamily="34" charset="0"/>
-              <a:buChar char="•"/>
-            </a:pPr>
-            <a:r>
-              <a:rPr lang="en-GB" dirty="0"/>
-              <a:t>Agent attributes</a:t>
-            </a:r>
-          </a:p>
-          <a:p>
-            <a:pPr lvl="2">
-              <a:buFont typeface="Arial" panose="020B0604020202020204" pitchFamily="34" charset="0"/>
-              <a:buChar char="•"/>
-            </a:pPr>
-            <a:r>
-              <a:rPr lang="en-GB" dirty="0"/>
-              <a:t>Variables, Parameters</a:t>
-            </a:r>
-          </a:p>
-          <a:p>
-            <a:pPr lvl="2">
-              <a:buFont typeface="Arial" panose="020B0604020202020204" pitchFamily="34" charset="0"/>
-              <a:buChar char="•"/>
-            </a:pPr>
-            <a:r>
-              <a:rPr lang="en-GB" dirty="0"/>
-              <a:t>Open questions</a:t>
-            </a:r>
-          </a:p>
-          <a:p>
-            <a:pPr>
-              <a:buFont typeface="Arial" panose="020B0604020202020204" pitchFamily="34" charset="0"/>
-              <a:buChar char="•"/>
-            </a:pPr>
-            <a:r>
-              <a:rPr lang="en-GB" dirty="0"/>
-              <a:t>Next 2 weeks</a:t>
-            </a:r>
-          </a:p>
-          <a:p>
-            <a:pPr lvl="1">
-              <a:buFont typeface="Arial" panose="020B0604020202020204" pitchFamily="34" charset="0"/>
-              <a:buChar char="•"/>
-            </a:pPr>
-            <a:r>
-              <a:rPr lang="en-GB" dirty="0"/>
-              <a:t>Data collection and filtering</a:t>
-            </a:r>
-          </a:p>
-          <a:p>
-            <a:pPr lvl="1">
-              <a:buFont typeface="Arial" panose="020B0604020202020204" pitchFamily="34" charset="0"/>
-              <a:buChar char="•"/>
-            </a:pPr>
-            <a:r>
-              <a:rPr lang="en-GB" dirty="0"/>
-              <a:t>Modelling basics and outline</a:t>
-            </a:r>
-          </a:p>
-          <a:p>
-            <a:pPr lvl="1">
-              <a:buFont typeface="Arial" panose="020B0604020202020204" pitchFamily="34" charset="0"/>
-              <a:buChar char="•"/>
-            </a:pPr>
+            <a:r>
+              <a:rPr lang="en-GB"/>
+              <a:t>1.12.2014</a:t>
+            </a:r>
             <a:endParaRPr lang="en-GB" dirty="0"/>
           </a:p>
-          <a:p>
-            <a:pPr lvl="1">
-              <a:buFont typeface="Arial" panose="020B0604020202020204" pitchFamily="34" charset="0"/>
-              <a:buChar char="•"/>
-            </a:pPr>
-            <a:endParaRPr lang="en-GB" dirty="0"/>
-          </a:p>
-          <a:p>
-            <a:pPr marL="0" indent="0">
-              <a:buNone/>
-            </a:pPr>
-            <a:endParaRPr lang="en-GB" dirty="0"/>
-          </a:p>
-          <a:p>
-            <a:endParaRPr lang="en-GB" dirty="0"/>
-          </a:p>
-        </p:txBody>
-      </p:sp>
-      <p:sp>
-        <p:nvSpPr>
-          <p:cNvPr id="3" name="Datumsplatzhalter 2"/>
-          <p:cNvSpPr>
-            <a:spLocks noGrp="1"/>
-          </p:cNvSpPr>
-          <p:nvPr>
-            <p:ph type="dt" sz="half" idx="10"/>
+        </p:txBody>
+      </p:sp>
+      <p:sp>
+        <p:nvSpPr>
+          <p:cNvPr id="4" name="Footer Placeholder 3">
+            <a:extLst>
+              <a:ext uri="{FF2B5EF4-FFF2-40B4-BE49-F238E27FC236}">
+                <a16:creationId xmlns:a16="http://schemas.microsoft.com/office/drawing/2014/main" id="{81C4D3E5-9854-4873-89EB-1F3187829CFE}"/>
+              </a:ext>
+            </a:extLst>
+          </p:cNvPr>
+          <p:cNvSpPr>
+            <a:spLocks noGrp="1"/>
+          </p:cNvSpPr>
+          <p:nvPr>
+            <p:ph type="ftr" sz="quarter" idx="11"/>
           </p:nvPr>
         </p:nvSpPr>
         <p:spPr/>
@@ -42291,20 +43383,27 @@
           <a:lstStyle/>
           <a:p>
             <a:r>
-              <a:rPr lang="en-GB" dirty="0"/>
-              <a:t>1.12.2014</a:t>
-            </a:r>
-          </a:p>
-        </p:txBody>
-      </p:sp>
-      <p:sp>
-        <p:nvSpPr>
-          <p:cNvPr id="4" name="Fußzeilenplatzhalter 3"/>
-          <p:cNvSpPr>
-            <a:spLocks noGrp="1"/>
-          </p:cNvSpPr>
-          <p:nvPr>
-            <p:ph type="ftr" sz="quarter" idx="11"/>
+              <a:rPr lang="en-GB"/>
+              <a:t>First name Surname (edit via “Insert” &gt; “Header &amp; Footer”)</a:t>
+            </a:r>
+            <a:endParaRPr lang="en-GB" dirty="0"/>
+          </a:p>
+        </p:txBody>
+      </p:sp>
+      <p:sp>
+        <p:nvSpPr>
+          <p:cNvPr id="5" name="Slide Number Placeholder 4">
+            <a:extLst>
+              <a:ext uri="{FF2B5EF4-FFF2-40B4-BE49-F238E27FC236}">
+                <a16:creationId xmlns:a16="http://schemas.microsoft.com/office/drawing/2014/main" id="{834EBD81-EB55-47B1-84E4-58E214500ECF}"/>
+              </a:ext>
+            </a:extLst>
+          </p:cNvPr>
+          <p:cNvSpPr>
+            <a:spLocks noGrp="1"/>
+          </p:cNvSpPr>
+          <p:nvPr>
+            <p:ph type="sldNum" sz="quarter" idx="12"/>
           </p:nvPr>
         </p:nvSpPr>
         <p:spPr/>
@@ -42312,31 +43411,8 @@
           <a:bodyPr/>
           <a:lstStyle/>
           <a:p>
-            <a:r>
-              <a:rPr lang="en-GB" dirty="0"/>
-              <a:t>First name Surname (edit via “Insert” &gt; “Header &amp; Footer”)</a:t>
-            </a:r>
-          </a:p>
-        </p:txBody>
-      </p:sp>
-      <p:sp>
-        <p:nvSpPr>
-          <p:cNvPr id="5" name="Foliennummernplatzhalter 4"/>
-          <p:cNvSpPr>
-            <a:spLocks noGrp="1"/>
-          </p:cNvSpPr>
-          <p:nvPr>
-            <p:ph type="sldNum" sz="quarter" idx="12"/>
-          </p:nvPr>
-        </p:nvSpPr>
-        <p:spPr/>
-        <p:txBody>
-          <a:bodyPr/>
-          <a:lstStyle/>
-          <a:p>
             <a:fld id="{6C6AE60A-B69C-4790-82F7-3882EDF23186}" type="slidenum">
               <a:rPr lang="en-GB" smtClean="0"/>
-              <a:pPr/>
               <a:t>5</a:t>
             </a:fld>
             <a:endParaRPr lang="en-GB" dirty="0"/>
@@ -42345,7 +43421,13 @@
       </p:sp>
       <p:sp>
         <p:nvSpPr>
-          <p:cNvPr id="10" name="Titel 9"/>
+          <p:cNvPr id="6" name="Title 5">
+            <a:extLst>
+              <a:ext uri="{FF2B5EF4-FFF2-40B4-BE49-F238E27FC236}">
+                <a16:creationId xmlns:a16="http://schemas.microsoft.com/office/drawing/2014/main" id="{857B746F-8BB4-41C9-BEA7-969F32091E58}"/>
+              </a:ext>
+            </a:extLst>
+          </p:cNvPr>
           <p:cNvSpPr>
             <a:spLocks noGrp="1"/>
           </p:cNvSpPr>
@@ -42359,16 +43441,204 @@
           <a:lstStyle/>
           <a:p>
             <a:r>
-              <a:rPr lang="en-GB" dirty="0"/>
-              <a:t>Agenda</a:t>
-            </a:r>
+              <a:rPr lang="en-IN" dirty="0"/>
+              <a:t>ZEV Regulation – now 100% clear!</a:t>
+            </a:r>
+          </a:p>
+        </p:txBody>
+      </p:sp>
+      <p:sp>
+        <p:nvSpPr>
+          <p:cNvPr id="2" name="Content Placeholder 1">
+            <a:extLst>
+              <a:ext uri="{FF2B5EF4-FFF2-40B4-BE49-F238E27FC236}">
+                <a16:creationId xmlns:a16="http://schemas.microsoft.com/office/drawing/2014/main" id="{CB996168-65DB-4FE9-9EA0-B93BBBBD84CC}"/>
+              </a:ext>
+            </a:extLst>
+          </p:cNvPr>
+          <p:cNvSpPr>
+            <a:spLocks noGrp="1"/>
+          </p:cNvSpPr>
+          <p:nvPr>
+            <p:ph idx="1"/>
+          </p:nvPr>
+        </p:nvSpPr>
+        <p:spPr>
+          <a:xfrm>
+            <a:off x="323850" y="1412776"/>
+            <a:ext cx="11537950" cy="4821334"/>
+          </a:xfrm>
+        </p:spPr>
+        <p:txBody>
+          <a:bodyPr/>
+          <a:lstStyle/>
+          <a:p>
+            <a:r>
+              <a:rPr lang="en-IN" dirty="0"/>
+              <a:t>ZEV has no size restrictions</a:t>
+            </a:r>
+          </a:p>
+          <a:p>
+            <a:r>
+              <a:rPr lang="en-IN" dirty="0"/>
+              <a:t>Solar PV systems</a:t>
+            </a:r>
+          </a:p>
+          <a:p>
+            <a:pPr lvl="1"/>
+            <a:r>
+              <a:rPr lang="en-IN" dirty="0"/>
+              <a:t>2 kW – 50 MW </a:t>
+            </a:r>
+            <a:r>
+              <a:rPr lang="en-IN" dirty="0">
+                <a:sym typeface="Wingdings" panose="05000000000000000000" pitchFamily="2" charset="2"/>
+              </a:rPr>
+              <a:t> one-time remuneration = </a:t>
+            </a:r>
+            <a:r>
+              <a:rPr lang="en-IN" dirty="0"/>
+              <a:t>basic + performance contribution</a:t>
+            </a:r>
+          </a:p>
+          <a:p>
+            <a:pPr lvl="2"/>
+            <a:r>
+              <a:rPr lang="en-IN" dirty="0"/>
+              <a:t>1600 + 460/kW (&lt; 30 kW)   </a:t>
+            </a:r>
+            <a:r>
+              <a:rPr lang="en-IN" b="1" u="sng" dirty="0"/>
+              <a:t>OR</a:t>
+            </a:r>
+          </a:p>
+          <a:p>
+            <a:pPr lvl="2"/>
+            <a:r>
+              <a:rPr lang="en-IN" dirty="0"/>
+              <a:t>1600 + 340/kW (&lt; 100 kW) </a:t>
+            </a:r>
+            <a:r>
+              <a:rPr lang="en-IN" b="1" u="sng" dirty="0"/>
+              <a:t>OR</a:t>
+            </a:r>
+          </a:p>
+          <a:p>
+            <a:pPr lvl="2"/>
+            <a:r>
+              <a:rPr lang="en-IN" dirty="0"/>
+              <a:t>1400 + 300/kW (&gt; 100 kW)</a:t>
+            </a:r>
+          </a:p>
+          <a:p>
+            <a:pPr lvl="1"/>
+            <a:r>
+              <a:rPr lang="en-IN" dirty="0"/>
+              <a:t>2kW – 99.999 kW </a:t>
+            </a:r>
+            <a:r>
+              <a:rPr lang="en-IN" dirty="0">
+                <a:sym typeface="Wingdings" panose="05000000000000000000" pitchFamily="2" charset="2"/>
+              </a:rPr>
+              <a:t> </a:t>
+            </a:r>
+            <a:r>
+              <a:rPr lang="en-IN" dirty="0">
+                <a:solidFill>
+                  <a:srgbClr val="FF0000"/>
+                </a:solidFill>
+                <a:sym typeface="Wingdings" panose="05000000000000000000" pitchFamily="2" charset="2"/>
+              </a:rPr>
+              <a:t>No </a:t>
+            </a:r>
+            <a:r>
+              <a:rPr lang="en-IN" dirty="0" err="1">
+                <a:solidFill>
+                  <a:srgbClr val="FF0000"/>
+                </a:solidFill>
+                <a:sym typeface="Wingdings" panose="05000000000000000000" pitchFamily="2" charset="2"/>
+              </a:rPr>
+              <a:t>FiT</a:t>
+            </a:r>
+            <a:endParaRPr lang="en-IN" dirty="0">
+              <a:solidFill>
+                <a:srgbClr val="FF0000"/>
+              </a:solidFill>
+              <a:sym typeface="Wingdings" panose="05000000000000000000" pitchFamily="2" charset="2"/>
+            </a:endParaRPr>
+          </a:p>
+          <a:p>
+            <a:pPr lvl="1"/>
+            <a:r>
+              <a:rPr lang="en-IN" dirty="0">
+                <a:sym typeface="Wingdings" panose="05000000000000000000" pitchFamily="2" charset="2"/>
+              </a:rPr>
+              <a:t>100 kW +  </a:t>
+            </a:r>
+            <a:r>
+              <a:rPr lang="en-IN" dirty="0" err="1">
+                <a:sym typeface="Wingdings" panose="05000000000000000000" pitchFamily="2" charset="2"/>
+              </a:rPr>
+              <a:t>FiT</a:t>
+            </a:r>
+            <a:r>
+              <a:rPr lang="en-IN" dirty="0">
+                <a:sym typeface="Wingdings" panose="05000000000000000000" pitchFamily="2" charset="2"/>
+              </a:rPr>
+              <a:t> available = 7.91 </a:t>
+            </a:r>
+            <a:r>
+              <a:rPr lang="en-IN" dirty="0" err="1">
+                <a:sym typeface="Wingdings" panose="05000000000000000000" pitchFamily="2" charset="2"/>
+              </a:rPr>
+              <a:t>Rp</a:t>
+            </a:r>
+            <a:r>
+              <a:rPr lang="en-IN" dirty="0">
+                <a:sym typeface="Wingdings" panose="05000000000000000000" pitchFamily="2" charset="2"/>
+              </a:rPr>
+              <a:t>./kWh in Zurich</a:t>
+            </a:r>
+          </a:p>
+          <a:p>
+            <a:r>
+              <a:rPr lang="en-IN" dirty="0">
+                <a:sym typeface="Wingdings" panose="05000000000000000000" pitchFamily="2" charset="2"/>
+              </a:rPr>
+              <a:t>Community solar (ZEV) has better chances of being &gt;=100 kW system to take advantage of </a:t>
+            </a:r>
+            <a:r>
+              <a:rPr lang="en-IN" dirty="0" err="1">
+                <a:sym typeface="Wingdings" panose="05000000000000000000" pitchFamily="2" charset="2"/>
+              </a:rPr>
+              <a:t>FiTs</a:t>
+            </a:r>
+            <a:endParaRPr lang="en-IN" dirty="0">
+              <a:sym typeface="Wingdings" panose="05000000000000000000" pitchFamily="2" charset="2"/>
+            </a:endParaRPr>
+          </a:p>
+          <a:p>
+            <a:r>
+              <a:rPr lang="en-IN" dirty="0">
+                <a:solidFill>
+                  <a:srgbClr val="00B050"/>
+                </a:solidFill>
+                <a:sym typeface="Wingdings" panose="05000000000000000000" pitchFamily="2" charset="2"/>
+              </a:rPr>
+              <a:t>In thesis: consider ZEV only for size &gt;=100 kW, not 30 kW as I thought previously! Changes dynamics, means I need more households to be a part of the community</a:t>
+            </a:r>
+            <a:endParaRPr lang="en-IN" dirty="0">
+              <a:solidFill>
+                <a:srgbClr val="00B050"/>
+              </a:solidFill>
+            </a:endParaRPr>
           </a:p>
         </p:txBody>
       </p:sp>
     </p:spTree>
     <p:extLst>
       <p:ext uri="{BB962C8B-B14F-4D97-AF65-F5344CB8AC3E}">
-        <p14:creationId xmlns:p14="http://schemas.microsoft.com/office/powerpoint/2010/main" val="2857788226"/>
+        <p14:creationId xmlns:p14="http://schemas.microsoft.com/office/powerpoint/2010/main" val="4078681792"/>
       </p:ext>
     </p:extLst>
   </p:cSld>
@@ -42400,12 +43670,18 @@
       </p:grpSpPr>
       <p:sp>
         <p:nvSpPr>
-          <p:cNvPr id="12" name="Inhaltsplatzhalter 11"/>
-          <p:cNvSpPr>
-            <a:spLocks noGrp="1"/>
-          </p:cNvSpPr>
-          <p:nvPr>
-            <p:ph sz="half" idx="1"/>
+          <p:cNvPr id="3" name="Date Placeholder 2">
+            <a:extLst>
+              <a:ext uri="{FF2B5EF4-FFF2-40B4-BE49-F238E27FC236}">
+                <a16:creationId xmlns:a16="http://schemas.microsoft.com/office/drawing/2014/main" id="{1096D527-974A-46A0-833D-F0A2471D62A7}"/>
+              </a:ext>
+            </a:extLst>
+          </p:cNvPr>
+          <p:cNvSpPr>
+            <a:spLocks noGrp="1"/>
+          </p:cNvSpPr>
+          <p:nvPr>
+            <p:ph type="dt" sz="half" idx="10"/>
           </p:nvPr>
         </p:nvSpPr>
         <p:spPr/>
@@ -42413,18 +43689,28 @@
           <a:bodyPr/>
           <a:lstStyle/>
           <a:p>
+            <a:r>
+              <a:rPr lang="en-GB"/>
+              <a:t>1.12.2014</a:t>
+            </a:r>
             <a:endParaRPr lang="en-GB" dirty="0"/>
           </a:p>
         </p:txBody>
       </p:sp>
       <p:sp>
         <p:nvSpPr>
-          <p:cNvPr id="13" name="Inhaltsplatzhalter 12"/>
-          <p:cNvSpPr>
-            <a:spLocks noGrp="1"/>
-          </p:cNvSpPr>
-          <p:nvPr>
-            <p:ph sz="half" idx="2"/>
+          <p:cNvPr id="4" name="Footer Placeholder 3">
+            <a:extLst>
+              <a:ext uri="{FF2B5EF4-FFF2-40B4-BE49-F238E27FC236}">
+                <a16:creationId xmlns:a16="http://schemas.microsoft.com/office/drawing/2014/main" id="{DD035F37-2F69-42E5-8D30-24F2AA2319D1}"/>
+              </a:ext>
+            </a:extLst>
+          </p:cNvPr>
+          <p:cNvSpPr>
+            <a:spLocks noGrp="1"/>
+          </p:cNvSpPr>
+          <p:nvPr>
+            <p:ph type="ftr" sz="quarter" idx="11"/>
           </p:nvPr>
         </p:nvSpPr>
         <p:spPr/>
@@ -42432,18 +43718,28 @@
           <a:bodyPr/>
           <a:lstStyle/>
           <a:p>
+            <a:r>
+              <a:rPr lang="en-GB"/>
+              <a:t>First name Surname (edit via “Insert” &gt; “Header &amp; Footer”)</a:t>
+            </a:r>
             <a:endParaRPr lang="en-GB" dirty="0"/>
           </a:p>
         </p:txBody>
       </p:sp>
       <p:sp>
         <p:nvSpPr>
-          <p:cNvPr id="4" name="Datumsplatzhalter 3"/>
-          <p:cNvSpPr>
-            <a:spLocks noGrp="1"/>
-          </p:cNvSpPr>
-          <p:nvPr>
-            <p:ph type="dt" sz="half" idx="10"/>
+          <p:cNvPr id="5" name="Slide Number Placeholder 4">
+            <a:extLst>
+              <a:ext uri="{FF2B5EF4-FFF2-40B4-BE49-F238E27FC236}">
+                <a16:creationId xmlns:a16="http://schemas.microsoft.com/office/drawing/2014/main" id="{647E2B14-AFBC-46F5-AE1B-12B3DFEA14C7}"/>
+              </a:ext>
+            </a:extLst>
+          </p:cNvPr>
+          <p:cNvSpPr>
+            <a:spLocks noGrp="1"/>
+          </p:cNvSpPr>
+          <p:nvPr>
+            <p:ph type="sldNum" sz="quarter" idx="12"/>
           </p:nvPr>
         </p:nvSpPr>
         <p:spPr/>
@@ -42451,53 +43747,8 @@
           <a:bodyPr/>
           <a:lstStyle/>
           <a:p>
-            <a:r>
-              <a:rPr lang="en-GB" dirty="0"/>
-              <a:t>1.12.2014</a:t>
-            </a:r>
-          </a:p>
-        </p:txBody>
-      </p:sp>
-      <p:sp>
-        <p:nvSpPr>
-          <p:cNvPr id="5" name="Fußzeilenplatzhalter 4"/>
-          <p:cNvSpPr>
-            <a:spLocks noGrp="1"/>
-          </p:cNvSpPr>
-          <p:nvPr>
-            <p:ph type="ftr" sz="quarter" idx="11"/>
-          </p:nvPr>
-        </p:nvSpPr>
-        <p:spPr/>
-        <p:txBody>
-          <a:bodyPr/>
-          <a:lstStyle/>
-          <a:p>
-            <a:r>
-              <a:rPr lang="en-GB" dirty="0"/>
-              <a:t>First name Surname (edit via “Insert” &gt; “Header &amp; Footer”)</a:t>
-            </a:r>
-          </a:p>
-        </p:txBody>
-      </p:sp>
-      <p:sp>
-        <p:nvSpPr>
-          <p:cNvPr id="6" name="Foliennummernplatzhalter 5"/>
-          <p:cNvSpPr>
-            <a:spLocks noGrp="1"/>
-          </p:cNvSpPr>
-          <p:nvPr>
-            <p:ph type="sldNum" sz="quarter" idx="12"/>
-          </p:nvPr>
-        </p:nvSpPr>
-        <p:spPr/>
-        <p:txBody>
-          <a:bodyPr/>
-          <a:lstStyle/>
-          <a:p>
             <a:fld id="{6C6AE60A-B69C-4790-82F7-3882EDF23186}" type="slidenum">
               <a:rPr lang="en-GB" smtClean="0"/>
-              <a:pPr/>
               <a:t>6</a:t>
             </a:fld>
             <a:endParaRPr lang="en-GB" dirty="0"/>
@@ -42506,7 +43757,13 @@
       </p:sp>
       <p:sp>
         <p:nvSpPr>
-          <p:cNvPr id="11" name="Titel 10"/>
+          <p:cNvPr id="6" name="Title 5">
+            <a:extLst>
+              <a:ext uri="{FF2B5EF4-FFF2-40B4-BE49-F238E27FC236}">
+                <a16:creationId xmlns:a16="http://schemas.microsoft.com/office/drawing/2014/main" id="{E4620087-7B08-427D-AD50-58C9D44AA88C}"/>
+              </a:ext>
+            </a:extLst>
+          </p:cNvPr>
           <p:cNvSpPr>
             <a:spLocks noGrp="1"/>
           </p:cNvSpPr>
@@ -42519,14 +43776,182 @@
           <a:bodyPr/>
           <a:lstStyle/>
           <a:p>
-            <a:endParaRPr lang="en-GB" dirty="0"/>
+            <a:r>
+              <a:rPr lang="en-IN" dirty="0"/>
+              <a:t>Adoption Mechanism - some ground rules</a:t>
+            </a:r>
+            <a:br>
+              <a:rPr lang="en-IN" dirty="0"/>
+            </a:br>
+            <a:endParaRPr lang="en-IN" dirty="0"/>
+          </a:p>
+        </p:txBody>
+      </p:sp>
+      <p:sp>
+        <p:nvSpPr>
+          <p:cNvPr id="7" name="Content Placeholder 6">
+            <a:extLst>
+              <a:ext uri="{FF2B5EF4-FFF2-40B4-BE49-F238E27FC236}">
+                <a16:creationId xmlns:a16="http://schemas.microsoft.com/office/drawing/2014/main" id="{0E0D412C-E4BB-429E-8824-F745FD7191E1}"/>
+              </a:ext>
+            </a:extLst>
+          </p:cNvPr>
+          <p:cNvSpPr>
+            <a:spLocks noGrp="1"/>
+          </p:cNvSpPr>
+          <p:nvPr>
+            <p:ph sz="half" idx="2"/>
+          </p:nvPr>
+        </p:nvSpPr>
+        <p:spPr>
+          <a:xfrm>
+            <a:off x="6285565" y="1340768"/>
+            <a:ext cx="5567205" cy="4896521"/>
+          </a:xfrm>
+        </p:spPr>
+        <p:txBody>
+          <a:bodyPr/>
+          <a:lstStyle/>
+          <a:p>
+            <a:pPr marL="0" indent="0">
+              <a:buNone/>
+            </a:pPr>
+            <a:r>
+              <a:rPr lang="en-IN" dirty="0"/>
+              <a:t>Assumptions</a:t>
+            </a:r>
+          </a:p>
+          <a:p>
+            <a:r>
+              <a:rPr lang="en-IN" dirty="0">
+                <a:sym typeface="Wingdings" panose="05000000000000000000" pitchFamily="2" charset="2"/>
+              </a:rPr>
+              <a:t>Individuals who rent apartments are still allowed to install their own solar PV</a:t>
+            </a:r>
+          </a:p>
+          <a:p>
+            <a:r>
+              <a:rPr lang="en-IN" dirty="0">
+                <a:sym typeface="Wingdings" panose="05000000000000000000" pitchFamily="2" charset="2"/>
+              </a:rPr>
+              <a:t>Renters stay for lifetime of PV system</a:t>
+            </a:r>
+          </a:p>
+          <a:p>
+            <a:r>
+              <a:rPr lang="en-IN" dirty="0">
+                <a:sym typeface="Wingdings" panose="05000000000000000000" pitchFamily="2" charset="2"/>
+              </a:rPr>
+              <a:t>Chicken and egg problem of community system sizing and costs – solved by considering scenarios of different system sizes</a:t>
+            </a:r>
+          </a:p>
+          <a:p>
+            <a:r>
+              <a:rPr lang="en-IN" dirty="0">
+                <a:sym typeface="Wingdings" panose="05000000000000000000" pitchFamily="2" charset="2"/>
+              </a:rPr>
+              <a:t>Urge to consider that buildings install greater solar than needed so as to facilitate community systems and sharing with buildings with no solar potential</a:t>
+            </a:r>
+          </a:p>
+          <a:p>
+            <a:r>
+              <a:rPr lang="en-IN" dirty="0">
+                <a:sym typeface="Wingdings" panose="05000000000000000000" pitchFamily="2" charset="2"/>
+              </a:rPr>
+              <a:t>Not considering batteries – they change everything</a:t>
+            </a:r>
+            <a:endParaRPr lang="en-IN" dirty="0"/>
+          </a:p>
+          <a:p>
+            <a:endParaRPr lang="en-IN" dirty="0">
+              <a:sym typeface="Wingdings" panose="05000000000000000000" pitchFamily="2" charset="2"/>
+            </a:endParaRPr>
+          </a:p>
+          <a:p>
+            <a:pPr marL="0" indent="0">
+              <a:buNone/>
+            </a:pPr>
+            <a:endParaRPr lang="en-IN" dirty="0"/>
+          </a:p>
+          <a:p>
+            <a:endParaRPr lang="en-IN" dirty="0"/>
+          </a:p>
+        </p:txBody>
+      </p:sp>
+      <p:sp>
+        <p:nvSpPr>
+          <p:cNvPr id="2" name="Content Placeholder 1">
+            <a:extLst>
+              <a:ext uri="{FF2B5EF4-FFF2-40B4-BE49-F238E27FC236}">
+                <a16:creationId xmlns:a16="http://schemas.microsoft.com/office/drawing/2014/main" id="{52E512CE-998A-414C-AA09-C92664795F83}"/>
+              </a:ext>
+            </a:extLst>
+          </p:cNvPr>
+          <p:cNvSpPr>
+            <a:spLocks noGrp="1"/>
+          </p:cNvSpPr>
+          <p:nvPr>
+            <p:ph sz="half" idx="1"/>
+          </p:nvPr>
+        </p:nvSpPr>
+        <p:spPr>
+          <a:xfrm>
+            <a:off x="323851" y="1340768"/>
+            <a:ext cx="5577644" cy="4896521"/>
+          </a:xfrm>
+        </p:spPr>
+        <p:txBody>
+          <a:bodyPr/>
+          <a:lstStyle/>
+          <a:p>
+            <a:pPr marL="0" indent="0">
+              <a:buNone/>
+            </a:pPr>
+            <a:r>
+              <a:rPr lang="en-IN" dirty="0"/>
+              <a:t>Known facts I consider</a:t>
+            </a:r>
+          </a:p>
+          <a:p>
+            <a:r>
+              <a:rPr lang="en-IN" dirty="0"/>
+              <a:t>Zurich </a:t>
+            </a:r>
+            <a:r>
+              <a:rPr lang="en-IN" dirty="0">
+                <a:sym typeface="Wingdings" panose="05000000000000000000" pitchFamily="2" charset="2"/>
+              </a:rPr>
+              <a:t> 89% renters!</a:t>
+            </a:r>
+          </a:p>
+          <a:p>
+            <a:pPr lvl="1"/>
+            <a:r>
+              <a:rPr lang="en-IN" dirty="0">
+                <a:sym typeface="Wingdings" panose="05000000000000000000" pitchFamily="2" charset="2"/>
+              </a:rPr>
+              <a:t>Maybe consider the remaining 11% owned households as all being single family detached houses?</a:t>
+            </a:r>
+          </a:p>
+          <a:p>
+            <a:r>
+              <a:rPr lang="en-IN" dirty="0">
+                <a:sym typeface="Wingdings" panose="05000000000000000000" pitchFamily="2" charset="2"/>
+              </a:rPr>
+              <a:t>Owner is important in the adoption mechanism consideration – something I only realized on Wednesday</a:t>
+            </a:r>
+          </a:p>
+          <a:p>
+            <a:endParaRPr lang="en-IN" dirty="0">
+              <a:sym typeface="Wingdings" panose="05000000000000000000" pitchFamily="2" charset="2"/>
+            </a:endParaRPr>
           </a:p>
         </p:txBody>
       </p:sp>
     </p:spTree>
     <p:extLst>
       <p:ext uri="{BB962C8B-B14F-4D97-AF65-F5344CB8AC3E}">
-        <p14:creationId xmlns:p14="http://schemas.microsoft.com/office/powerpoint/2010/main" val="572143329"/>
+        <p14:creationId xmlns:p14="http://schemas.microsoft.com/office/powerpoint/2010/main" val="945993399"/>
       </p:ext>
     </p:extLst>
   </p:cSld>
@@ -42558,7 +43983,7 @@
       </p:grpSpPr>
       <p:sp>
         <p:nvSpPr>
-          <p:cNvPr id="2" name="Datumsplatzhalter 1"/>
+          <p:cNvPr id="4" name="Datumsplatzhalter 3"/>
           <p:cNvSpPr>
             <a:spLocks noGrp="1"/>
           </p:cNvSpPr>
@@ -42580,7 +44005,7 @@
       </p:sp>
       <p:sp>
         <p:nvSpPr>
-          <p:cNvPr id="3" name="Fußzeilenplatzhalter 2"/>
+          <p:cNvPr id="5" name="Fußzeilenplatzhalter 4"/>
           <p:cNvSpPr>
             <a:spLocks noGrp="1"/>
           </p:cNvSpPr>
@@ -42602,7 +44027,7 @@
       </p:sp>
       <p:sp>
         <p:nvSpPr>
-          <p:cNvPr id="4" name="Foliennummernplatzhalter 3"/>
+          <p:cNvPr id="6" name="Foliennummernplatzhalter 5"/>
           <p:cNvSpPr>
             <a:spLocks noGrp="1"/>
           </p:cNvSpPr>
@@ -42626,7 +44051,7 @@
       </p:sp>
       <p:sp>
         <p:nvSpPr>
-          <p:cNvPr id="9" name="Titel 8"/>
+          <p:cNvPr id="11" name="Titel 10"/>
           <p:cNvSpPr>
             <a:spLocks noGrp="1"/>
           </p:cNvSpPr>
@@ -42639,14 +44064,442 @@
           <a:bodyPr/>
           <a:lstStyle/>
           <a:p>
-            <a:endParaRPr lang="en-GB" dirty="0"/>
+            <a:r>
+              <a:rPr lang="en-GB" dirty="0"/>
+              <a:t>Use of Theory of Planned Behaviour for decision making – need help</a:t>
+            </a:r>
+          </a:p>
+        </p:txBody>
+      </p:sp>
+      <p:pic>
+        <p:nvPicPr>
+          <p:cNvPr id="1026" name="Picture 2" descr="Image result for theory of planned behavior">
+            <a:extLst>
+              <a:ext uri="{FF2B5EF4-FFF2-40B4-BE49-F238E27FC236}">
+                <a16:creationId xmlns:a16="http://schemas.microsoft.com/office/drawing/2014/main" id="{CFF344E4-0C29-4787-AC2C-C0E67D22A398}"/>
+              </a:ext>
+            </a:extLst>
+          </p:cNvPr>
+          <p:cNvPicPr>
+            <a:picLocks noGrp="1" noChangeAspect="1" noChangeArrowheads="1"/>
+          </p:cNvPicPr>
+          <p:nvPr>
+            <p:ph idx="1"/>
+          </p:nvPr>
+        </p:nvPicPr>
+        <p:blipFill>
+          <a:blip r:embed="rId2">
+            <a:extLst>
+              <a:ext uri="{28A0092B-C50C-407E-A947-70E740481C1C}">
+                <a14:useLocalDpi xmlns:a14="http://schemas.microsoft.com/office/drawing/2010/main" val="0"/>
+              </a:ext>
+            </a:extLst>
+          </a:blip>
+          <a:srcRect/>
+          <a:stretch>
+            <a:fillRect/>
+          </a:stretch>
+        </p:blipFill>
+        <p:spPr bwMode="auto">
+          <a:xfrm>
+            <a:off x="3697071" y="2047168"/>
+            <a:ext cx="7809060" cy="3807104"/>
+          </a:xfrm>
+          <a:prstGeom prst="rect">
+            <a:avLst/>
+          </a:prstGeom>
+          <a:noFill/>
+          <a:extLst>
+            <a:ext uri="{909E8E84-426E-40DD-AFC4-6F175D3DCCD1}">
+              <a14:hiddenFill xmlns:a14="http://schemas.microsoft.com/office/drawing/2010/main">
+                <a:solidFill>
+                  <a:srgbClr val="FFFFFF"/>
+                </a:solidFill>
+              </a14:hiddenFill>
+            </a:ext>
+          </a:extLst>
+        </p:spPr>
+      </p:pic>
+      <p:sp>
+        <p:nvSpPr>
+          <p:cNvPr id="3" name="TextBox 2">
+            <a:extLst>
+              <a:ext uri="{FF2B5EF4-FFF2-40B4-BE49-F238E27FC236}">
+                <a16:creationId xmlns:a16="http://schemas.microsoft.com/office/drawing/2014/main" id="{292B8991-172E-46FF-8F9F-E5996FDD0146}"/>
+              </a:ext>
+            </a:extLst>
+          </p:cNvPr>
+          <p:cNvSpPr txBox="1"/>
+          <p:nvPr/>
+        </p:nvSpPr>
+        <p:spPr>
+          <a:xfrm>
+            <a:off x="430849" y="1760940"/>
+            <a:ext cx="3384376" cy="1200329"/>
+          </a:xfrm>
+          <a:prstGeom prst="rect">
+            <a:avLst/>
+          </a:prstGeom>
+          <a:solidFill>
+            <a:srgbClr val="91056A"/>
+          </a:solidFill>
+        </p:spPr>
+        <p:txBody>
+          <a:bodyPr wrap="square" rtlCol="0">
+            <a:spAutoFit/>
+          </a:bodyPr>
+          <a:lstStyle/>
+          <a:p>
+            <a:r>
+              <a:rPr lang="en-IN" dirty="0">
+                <a:solidFill>
+                  <a:schemeClr val="bg1"/>
+                </a:solidFill>
+              </a:rPr>
+              <a:t>Info: prices, expected savings from CEA data, calculation.</a:t>
+            </a:r>
+          </a:p>
+          <a:p>
+            <a:r>
+              <a:rPr lang="en-IN" dirty="0">
+                <a:solidFill>
+                  <a:schemeClr val="bg1"/>
+                </a:solidFill>
+              </a:rPr>
+              <a:t>Environmental attitudes/beliefs from Swiss surveys</a:t>
+            </a:r>
+          </a:p>
+        </p:txBody>
+      </p:sp>
+      <p:sp>
+        <p:nvSpPr>
+          <p:cNvPr id="7" name="TextBox 6">
+            <a:extLst>
+              <a:ext uri="{FF2B5EF4-FFF2-40B4-BE49-F238E27FC236}">
+                <a16:creationId xmlns:a16="http://schemas.microsoft.com/office/drawing/2014/main" id="{DF370187-B27F-4BF4-9910-1D6272751169}"/>
+              </a:ext>
+            </a:extLst>
+          </p:cNvPr>
+          <p:cNvSpPr txBox="1"/>
+          <p:nvPr/>
+        </p:nvSpPr>
+        <p:spPr>
+          <a:xfrm>
+            <a:off x="430849" y="3207441"/>
+            <a:ext cx="3142490" cy="1200329"/>
+          </a:xfrm>
+          <a:prstGeom prst="rect">
+            <a:avLst/>
+          </a:prstGeom>
+          <a:solidFill>
+            <a:srgbClr val="00B050"/>
+          </a:solidFill>
+        </p:spPr>
+        <p:txBody>
+          <a:bodyPr wrap="square" rtlCol="0">
+            <a:spAutoFit/>
+          </a:bodyPr>
+          <a:lstStyle/>
+          <a:p>
+            <a:r>
+              <a:rPr lang="en-IN" dirty="0">
+                <a:solidFill>
+                  <a:schemeClr val="bg1"/>
+                </a:solidFill>
+              </a:rPr>
+              <a:t>What society thinks of solar – (community/individual differentiate?) from Swiss surveys</a:t>
+            </a:r>
+          </a:p>
+        </p:txBody>
+      </p:sp>
+      <p:sp>
+        <p:nvSpPr>
+          <p:cNvPr id="9" name="TextBox 8">
+            <a:extLst>
+              <a:ext uri="{FF2B5EF4-FFF2-40B4-BE49-F238E27FC236}">
+                <a16:creationId xmlns:a16="http://schemas.microsoft.com/office/drawing/2014/main" id="{5C282BB9-6B86-41DD-B131-C9E22E610B0F}"/>
+              </a:ext>
+            </a:extLst>
+          </p:cNvPr>
+          <p:cNvSpPr txBox="1"/>
+          <p:nvPr/>
+        </p:nvSpPr>
+        <p:spPr>
+          <a:xfrm>
+            <a:off x="430849" y="4554400"/>
+            <a:ext cx="3142490" cy="1754326"/>
+          </a:xfrm>
+          <a:prstGeom prst="rect">
+            <a:avLst/>
+          </a:prstGeom>
+          <a:solidFill>
+            <a:srgbClr val="C00000"/>
+          </a:solidFill>
+        </p:spPr>
+        <p:txBody>
+          <a:bodyPr wrap="square" rtlCol="0">
+            <a:spAutoFit/>
+          </a:bodyPr>
+          <a:lstStyle/>
+          <a:p>
+            <a:r>
+              <a:rPr lang="en-IN" dirty="0">
+                <a:solidFill>
+                  <a:schemeClr val="bg1"/>
+                </a:solidFill>
+              </a:rPr>
+              <a:t>Does agent feel confident enough to do it?</a:t>
+            </a:r>
+          </a:p>
+          <a:p>
+            <a:r>
+              <a:rPr lang="en-IN" dirty="0">
+                <a:solidFill>
+                  <a:schemeClr val="bg1"/>
+                </a:solidFill>
+              </a:rPr>
+              <a:t>Depends on how many peers have solar</a:t>
+            </a:r>
+          </a:p>
+          <a:p>
+            <a:r>
+              <a:rPr lang="en-IN" dirty="0">
+                <a:solidFill>
+                  <a:schemeClr val="bg1"/>
+                </a:solidFill>
+              </a:rPr>
+              <a:t>Easier for community solar as simply join ZEV</a:t>
+            </a:r>
+          </a:p>
+        </p:txBody>
+      </p:sp>
+      <p:sp>
+        <p:nvSpPr>
+          <p:cNvPr id="10" name="Oval 9">
+            <a:extLst>
+              <a:ext uri="{FF2B5EF4-FFF2-40B4-BE49-F238E27FC236}">
+                <a16:creationId xmlns:a16="http://schemas.microsoft.com/office/drawing/2014/main" id="{993AF5C4-F173-47F7-B392-B57CBB46ECFE}"/>
+              </a:ext>
+            </a:extLst>
+          </p:cNvPr>
+          <p:cNvSpPr/>
+          <p:nvPr/>
+        </p:nvSpPr>
+        <p:spPr>
+          <a:xfrm>
+            <a:off x="7821811" y="2538063"/>
+            <a:ext cx="288032" cy="2376264"/>
+          </a:xfrm>
+          <a:prstGeom prst="ellipse">
+            <a:avLst/>
+          </a:prstGeom>
+          <a:noFill/>
+          <a:ln w="38100">
+            <a:solidFill>
+              <a:srgbClr val="FF0000"/>
+            </a:solidFill>
+          </a:ln>
+        </p:spPr>
+        <p:style>
+          <a:lnRef idx="2">
+            <a:schemeClr val="accent1">
+              <a:shade val="50000"/>
+            </a:schemeClr>
+          </a:lnRef>
+          <a:fillRef idx="1">
+            <a:schemeClr val="accent1"/>
+          </a:fillRef>
+          <a:effectRef idx="0">
+            <a:schemeClr val="accent1"/>
+          </a:effectRef>
+          <a:fontRef idx="minor">
+            <a:schemeClr val="lt1"/>
+          </a:fontRef>
+        </p:style>
+        <p:txBody>
+          <a:bodyPr rtlCol="0" anchor="ctr"/>
+          <a:lstStyle/>
+          <a:p>
+            <a:pPr algn="ctr"/>
+            <a:endParaRPr lang="en-IN"/>
+          </a:p>
+        </p:txBody>
+      </p:sp>
+      <p:sp>
+        <p:nvSpPr>
+          <p:cNvPr id="14" name="TextBox 13">
+            <a:extLst>
+              <a:ext uri="{FF2B5EF4-FFF2-40B4-BE49-F238E27FC236}">
+                <a16:creationId xmlns:a16="http://schemas.microsoft.com/office/drawing/2014/main" id="{93361ADE-A25B-49E9-BCE3-943E2B3196D1}"/>
+              </a:ext>
+            </a:extLst>
+          </p:cNvPr>
+          <p:cNvSpPr txBox="1"/>
+          <p:nvPr/>
+        </p:nvSpPr>
+        <p:spPr>
+          <a:xfrm>
+            <a:off x="8142981" y="2214897"/>
+            <a:ext cx="2919189" cy="646331"/>
+          </a:xfrm>
+          <a:prstGeom prst="rect">
+            <a:avLst/>
+          </a:prstGeom>
+          <a:solidFill>
+            <a:schemeClr val="bg1"/>
+          </a:solidFill>
+        </p:spPr>
+        <p:txBody>
+          <a:bodyPr wrap="square" rtlCol="0">
+            <a:spAutoFit/>
+          </a:bodyPr>
+          <a:lstStyle/>
+          <a:p>
+            <a:r>
+              <a:rPr lang="en-IN" dirty="0">
+                <a:solidFill>
+                  <a:srgbClr val="FF0000"/>
+                </a:solidFill>
+              </a:rPr>
+              <a:t>How to incorporate everything together?</a:t>
+            </a:r>
+          </a:p>
+        </p:txBody>
+      </p:sp>
+      <p:sp>
+        <p:nvSpPr>
+          <p:cNvPr id="15" name="TextBox 14">
+            <a:extLst>
+              <a:ext uri="{FF2B5EF4-FFF2-40B4-BE49-F238E27FC236}">
+                <a16:creationId xmlns:a16="http://schemas.microsoft.com/office/drawing/2014/main" id="{F23E3DA7-1036-49D0-B85E-D010E2CF7B78}"/>
+              </a:ext>
+            </a:extLst>
+          </p:cNvPr>
+          <p:cNvSpPr txBox="1"/>
+          <p:nvPr/>
+        </p:nvSpPr>
+        <p:spPr>
+          <a:xfrm>
+            <a:off x="9910042" y="5733256"/>
+            <a:ext cx="2070323" cy="369332"/>
+          </a:xfrm>
+          <a:prstGeom prst="rect">
+            <a:avLst/>
+          </a:prstGeom>
+          <a:noFill/>
+        </p:spPr>
+        <p:txBody>
+          <a:bodyPr wrap="square" rtlCol="0">
+            <a:spAutoFit/>
+          </a:bodyPr>
+          <a:lstStyle/>
+          <a:p>
+            <a:r>
+              <a:rPr lang="en-IN" dirty="0">
+                <a:solidFill>
+                  <a:srgbClr val="FF0000"/>
+                </a:solidFill>
+              </a:rPr>
+              <a:t>Consider/neglect?</a:t>
+            </a:r>
+          </a:p>
+        </p:txBody>
+      </p:sp>
+      <p:sp>
+        <p:nvSpPr>
+          <p:cNvPr id="17" name="Oval 16">
+            <a:extLst>
+              <a:ext uri="{FF2B5EF4-FFF2-40B4-BE49-F238E27FC236}">
+                <a16:creationId xmlns:a16="http://schemas.microsoft.com/office/drawing/2014/main" id="{D83CBAA0-1724-4272-B9FD-AD2973AD923A}"/>
+              </a:ext>
+            </a:extLst>
+          </p:cNvPr>
+          <p:cNvSpPr/>
+          <p:nvPr/>
+        </p:nvSpPr>
+        <p:spPr>
+          <a:xfrm>
+            <a:off x="9766027" y="3582887"/>
+            <a:ext cx="185976" cy="827771"/>
+          </a:xfrm>
+          <a:prstGeom prst="ellipse">
+            <a:avLst/>
+          </a:prstGeom>
+          <a:noFill/>
+          <a:ln w="38100">
+            <a:solidFill>
+              <a:srgbClr val="FF0000"/>
+            </a:solidFill>
+          </a:ln>
+        </p:spPr>
+        <p:style>
+          <a:lnRef idx="2">
+            <a:schemeClr val="accent1">
+              <a:shade val="50000"/>
+            </a:schemeClr>
+          </a:lnRef>
+          <a:fillRef idx="1">
+            <a:schemeClr val="accent1"/>
+          </a:fillRef>
+          <a:effectRef idx="0">
+            <a:schemeClr val="accent1"/>
+          </a:effectRef>
+          <a:fontRef idx="minor">
+            <a:schemeClr val="lt1"/>
+          </a:fontRef>
+        </p:style>
+        <p:txBody>
+          <a:bodyPr rtlCol="0" anchor="ctr"/>
+          <a:lstStyle/>
+          <a:p>
+            <a:pPr algn="ctr"/>
+            <a:endParaRPr lang="en-IN"/>
+          </a:p>
+        </p:txBody>
+      </p:sp>
+      <p:sp>
+        <p:nvSpPr>
+          <p:cNvPr id="16" name="TextBox 15">
+            <a:extLst>
+              <a:ext uri="{FF2B5EF4-FFF2-40B4-BE49-F238E27FC236}">
+                <a16:creationId xmlns:a16="http://schemas.microsoft.com/office/drawing/2014/main" id="{6B3940CD-24AF-440F-B3D9-3764F09C7D80}"/>
+              </a:ext>
+            </a:extLst>
+          </p:cNvPr>
+          <p:cNvSpPr txBox="1"/>
+          <p:nvPr/>
+        </p:nvSpPr>
+        <p:spPr>
+          <a:xfrm>
+            <a:off x="9128839" y="4355668"/>
+            <a:ext cx="1680349" cy="646331"/>
+          </a:xfrm>
+          <a:prstGeom prst="rect">
+            <a:avLst/>
+          </a:prstGeom>
+          <a:noFill/>
+        </p:spPr>
+        <p:txBody>
+          <a:bodyPr wrap="square" rtlCol="0">
+            <a:spAutoFit/>
+          </a:bodyPr>
+          <a:lstStyle/>
+          <a:p>
+            <a:r>
+              <a:rPr lang="en-IN" dirty="0">
+                <a:solidFill>
+                  <a:srgbClr val="FF0000"/>
+                </a:solidFill>
+              </a:rPr>
+              <a:t>How to model this?</a:t>
+            </a:r>
           </a:p>
         </p:txBody>
       </p:sp>
     </p:spTree>
     <p:extLst>
       <p:ext uri="{BB962C8B-B14F-4D97-AF65-F5344CB8AC3E}">
-        <p14:creationId xmlns:p14="http://schemas.microsoft.com/office/powerpoint/2010/main" val="3974297676"/>
+        <p14:creationId xmlns:p14="http://schemas.microsoft.com/office/powerpoint/2010/main" val="572143329"/>
       </p:ext>
     </p:extLst>
   </p:cSld>
@@ -42678,12 +44531,18 @@
       </p:grpSpPr>
       <p:sp>
         <p:nvSpPr>
-          <p:cNvPr id="2" name="Datumsplatzhalter 1"/>
-          <p:cNvSpPr>
-            <a:spLocks noGrp="1"/>
-          </p:cNvSpPr>
-          <p:nvPr>
-            <p:ph type="dt" sz="half" idx="10"/>
+          <p:cNvPr id="10" name="Content Placeholder 9">
+            <a:extLst>
+              <a:ext uri="{FF2B5EF4-FFF2-40B4-BE49-F238E27FC236}">
+                <a16:creationId xmlns:a16="http://schemas.microsoft.com/office/drawing/2014/main" id="{88BE7F57-30D0-4AC8-9930-FD90309F3876}"/>
+              </a:ext>
+            </a:extLst>
+          </p:cNvPr>
+          <p:cNvSpPr>
+            <a:spLocks noGrp="1"/>
+          </p:cNvSpPr>
+          <p:nvPr>
+            <p:ph sz="half" idx="1"/>
           </p:nvPr>
         </p:nvSpPr>
         <p:spPr/>
@@ -42691,21 +44550,75 @@
           <a:bodyPr/>
           <a:lstStyle/>
           <a:p>
-            <a:r>
-              <a:rPr lang="en-GB" dirty="0"/>
-              <a:t>1.12.2014</a:t>
-            </a:r>
-          </a:p>
-        </p:txBody>
-      </p:sp>
-      <p:sp>
-        <p:nvSpPr>
-          <p:cNvPr id="3" name="Fußzeilenplatzhalter 2"/>
-          <p:cNvSpPr>
-            <a:spLocks noGrp="1"/>
-          </p:cNvSpPr>
-          <p:nvPr>
-            <p:ph type="ftr" sz="quarter" idx="11"/>
+            <a:pPr marL="0" indent="0">
+              <a:buNone/>
+            </a:pPr>
+            <a:r>
+              <a:rPr lang="en-GB" dirty="0"/>
+              <a:t>Agent X renting a flat in a Multi-family Residential Building</a:t>
+            </a:r>
+            <a:endParaRPr lang="en-IN" dirty="0"/>
+          </a:p>
+          <a:p>
+            <a:pPr marL="0" indent="0">
+              <a:buNone/>
+            </a:pPr>
+            <a:r>
+              <a:rPr lang="en-IN" dirty="0"/>
+              <a:t>Attributes</a:t>
+            </a:r>
+          </a:p>
+          <a:p>
+            <a:r>
+              <a:rPr lang="en-IN" dirty="0"/>
+              <a:t>Greedy/not greedy – how much he values money</a:t>
+            </a:r>
+          </a:p>
+          <a:p>
+            <a:r>
+              <a:rPr lang="en-IN" dirty="0"/>
+              <a:t>Environmental attitude</a:t>
+            </a:r>
+          </a:p>
+          <a:p>
+            <a:r>
+              <a:rPr lang="en-IN" dirty="0"/>
+              <a:t>Income/education level – need either as a proxy for his perception of control (</a:t>
+            </a:r>
+            <a:r>
+              <a:rPr lang="en-IN" dirty="0" err="1"/>
+              <a:t>pbc</a:t>
+            </a:r>
+            <a:r>
+              <a:rPr lang="en-IN" dirty="0"/>
+              <a:t> element)</a:t>
+            </a:r>
+          </a:p>
+          <a:p>
+            <a:r>
+              <a:rPr lang="en-IN" dirty="0"/>
+              <a:t>Motivation to comply with society? Or degree to which he cares to satisfy peers’ expectations</a:t>
+            </a:r>
+          </a:p>
+          <a:p>
+            <a:endParaRPr lang="en-IN" dirty="0"/>
+          </a:p>
+        </p:txBody>
+      </p:sp>
+      <p:sp>
+        <p:nvSpPr>
+          <p:cNvPr id="11" name="Content Placeholder 10">
+            <a:extLst>
+              <a:ext uri="{FF2B5EF4-FFF2-40B4-BE49-F238E27FC236}">
+                <a16:creationId xmlns:a16="http://schemas.microsoft.com/office/drawing/2014/main" id="{30158D3C-1F12-4361-B93A-F3D10870C835}"/>
+              </a:ext>
+            </a:extLst>
+          </p:cNvPr>
+          <p:cNvSpPr>
+            <a:spLocks noGrp="1"/>
+          </p:cNvSpPr>
+          <p:nvPr>
+            <p:ph sz="half" idx="2"/>
           </p:nvPr>
         </p:nvSpPr>
         <p:spPr/>
@@ -42713,10 +44626,104 @@
           <a:bodyPr/>
           <a:lstStyle/>
           <a:p>
-            <a:r>
-              <a:rPr lang="en-GB" dirty="0"/>
+            <a:pPr marL="0" indent="0">
+              <a:buNone/>
+            </a:pPr>
+            <a:r>
+              <a:rPr lang="en-IN" dirty="0"/>
+              <a:t>Agent Y owns a commercial complex</a:t>
+            </a:r>
+          </a:p>
+          <a:p>
+            <a:pPr marL="0" indent="0">
+              <a:buNone/>
+            </a:pPr>
+            <a:endParaRPr lang="en-IN" dirty="0"/>
+          </a:p>
+          <a:p>
+            <a:pPr marL="0" indent="0">
+              <a:buNone/>
+            </a:pPr>
+            <a:r>
+              <a:rPr lang="en-IN" dirty="0"/>
+              <a:t>Attributes</a:t>
+            </a:r>
+          </a:p>
+          <a:p>
+            <a:r>
+              <a:rPr lang="en-IN" dirty="0"/>
+              <a:t>Greedy/not greedy – how much he values money</a:t>
+            </a:r>
+          </a:p>
+          <a:p>
+            <a:r>
+              <a:rPr lang="en-IN" dirty="0"/>
+              <a:t>Environmental attitude</a:t>
+            </a:r>
+          </a:p>
+          <a:p>
+            <a:r>
+              <a:rPr lang="en-IN" dirty="0"/>
+              <a:t>Generally higher perception of control (greater confidence) as businessmen tend to reduce costs?</a:t>
+            </a:r>
+          </a:p>
+          <a:p>
+            <a:r>
+              <a:rPr lang="en-IN" dirty="0"/>
+              <a:t>Motivation to comply with society? Or degree to which he cares to satisfy peers’ / customers’ expectations</a:t>
+            </a:r>
+          </a:p>
+          <a:p>
+            <a:pPr marL="0" indent="0">
+              <a:buNone/>
+            </a:pPr>
+            <a:endParaRPr lang="en-IN" dirty="0"/>
+          </a:p>
+        </p:txBody>
+      </p:sp>
+      <p:sp>
+        <p:nvSpPr>
+          <p:cNvPr id="2" name="Datumsplatzhalter 1"/>
+          <p:cNvSpPr>
+            <a:spLocks noGrp="1"/>
+          </p:cNvSpPr>
+          <p:nvPr>
+            <p:ph type="dt" sz="half" idx="10"/>
+          </p:nvPr>
+        </p:nvSpPr>
+        <p:spPr/>
+        <p:txBody>
+          <a:bodyPr/>
+          <a:lstStyle/>
+          <a:p>
+            <a:r>
+              <a:rPr lang="en-GB"/>
+              <a:t>1.12.2014</a:t>
+            </a:r>
+            <a:endParaRPr lang="en-GB" dirty="0"/>
+          </a:p>
+        </p:txBody>
+      </p:sp>
+      <p:sp>
+        <p:nvSpPr>
+          <p:cNvPr id="3" name="Fußzeilenplatzhalter 2"/>
+          <p:cNvSpPr>
+            <a:spLocks noGrp="1"/>
+          </p:cNvSpPr>
+          <p:nvPr>
+            <p:ph type="ftr" sz="quarter" idx="11"/>
+          </p:nvPr>
+        </p:nvSpPr>
+        <p:spPr/>
+        <p:txBody>
+          <a:bodyPr/>
+          <a:lstStyle/>
+          <a:p>
+            <a:r>
+              <a:rPr lang="en-GB"/>
               <a:t>First name Surname (edit via “Insert” &gt; “Header &amp; Footer”)</a:t>
             </a:r>
+            <a:endParaRPr lang="en-GB" dirty="0"/>
           </a:p>
         </p:txBody>
       </p:sp>
@@ -42746,20 +44753,35 @@
       </p:sp>
       <p:sp>
         <p:nvSpPr>
-          <p:cNvPr id="9" name="Bildplatzhalter 8"/>
-          <p:cNvSpPr>
-            <a:spLocks noGrp="1"/>
-          </p:cNvSpPr>
-          <p:nvPr>
-            <p:ph type="pic" sz="quarter" idx="13"/>
-          </p:nvPr>
-        </p:nvSpPr>
-        <p:spPr/>
+          <p:cNvPr id="9" name="Titel 8"/>
+          <p:cNvSpPr>
+            <a:spLocks noGrp="1"/>
+          </p:cNvSpPr>
+          <p:nvPr>
+            <p:ph type="title"/>
+          </p:nvPr>
+        </p:nvSpPr>
+        <p:spPr>
+          <a:xfrm>
+            <a:off x="323850" y="620714"/>
+            <a:ext cx="11537950" cy="972000"/>
+          </a:xfrm>
+        </p:spPr>
+        <p:txBody>
+          <a:bodyPr/>
+          <a:lstStyle/>
+          <a:p>
+            <a:r>
+              <a:rPr lang="en-GB" dirty="0"/>
+              <a:t>A discussion on agent attributes</a:t>
+            </a:r>
+          </a:p>
+        </p:txBody>
       </p:sp>
     </p:spTree>
     <p:extLst>
       <p:ext uri="{BB962C8B-B14F-4D97-AF65-F5344CB8AC3E}">
-        <p14:creationId xmlns:p14="http://schemas.microsoft.com/office/powerpoint/2010/main" val="1116238283"/>
+        <p14:creationId xmlns:p14="http://schemas.microsoft.com/office/powerpoint/2010/main" val="3974297676"/>
       </p:ext>
     </p:extLst>
   </p:cSld>
@@ -42791,12 +44813,18 @@
       </p:grpSpPr>
       <p:sp>
         <p:nvSpPr>
-          <p:cNvPr id="7" name="Inhaltsplatzhalter 6"/>
-          <p:cNvSpPr>
-            <a:spLocks noGrp="1"/>
-          </p:cNvSpPr>
-          <p:nvPr>
-            <p:ph idx="1"/>
+          <p:cNvPr id="2" name="Content Placeholder 1">
+            <a:extLst>
+              <a:ext uri="{FF2B5EF4-FFF2-40B4-BE49-F238E27FC236}">
+                <a16:creationId xmlns:a16="http://schemas.microsoft.com/office/drawing/2014/main" id="{313B4C9C-7E6D-45FF-BCB7-3D02142FB4BE}"/>
+              </a:ext>
+            </a:extLst>
+          </p:cNvPr>
+          <p:cNvSpPr>
+            <a:spLocks noGrp="1"/>
+          </p:cNvSpPr>
+          <p:nvPr>
+            <p:ph sz="half" idx="1"/>
           </p:nvPr>
         </p:nvSpPr>
         <p:spPr/>
@@ -42804,122 +44832,77 @@
           <a:bodyPr/>
           <a:lstStyle/>
           <a:p>
-            <a:pPr marL="0" indent="0">
-              <a:buNone/>
-            </a:pPr>
-            <a:r>
-              <a:rPr lang="en-GB" sz="1800" b="1" dirty="0"/>
-              <a:t>ETH Zurich</a:t>
-            </a:r>
-          </a:p>
-          <a:p>
-            <a:pPr marL="0" indent="0">
-              <a:buNone/>
-            </a:pPr>
-            <a:r>
-              <a:rPr lang="en-GB" sz="1800" dirty="0"/>
-              <a:t>Organisational unit</a:t>
-            </a:r>
-          </a:p>
-          <a:p>
-            <a:pPr marL="0" indent="0">
-              <a:buNone/>
-            </a:pPr>
-            <a:r>
-              <a:rPr lang="en-GB" sz="1800" dirty="0"/>
-              <a:t>Street address</a:t>
-            </a:r>
-          </a:p>
-          <a:p>
-            <a:pPr marL="0" indent="0">
-              <a:buNone/>
-            </a:pPr>
-            <a:r>
-              <a:rPr lang="en-GB" sz="1800" dirty="0"/>
-              <a:t>Postcode City</a:t>
-            </a:r>
-          </a:p>
-          <a:p>
-            <a:pPr marL="0" indent="0">
-              <a:buNone/>
-            </a:pPr>
-            <a:endParaRPr lang="en-GB" sz="1800" dirty="0"/>
-          </a:p>
-          <a:p>
-            <a:pPr marL="0" indent="0">
-              <a:buNone/>
-            </a:pPr>
-            <a:r>
-              <a:rPr lang="en-GB" sz="1800" dirty="0"/>
-              <a:t>www.ethz.ch/en.html</a:t>
-            </a:r>
-          </a:p>
-          <a:p>
-            <a:pPr marL="0" indent="0">
-              <a:buNone/>
-            </a:pPr>
-            <a:endParaRPr lang="en-GB" sz="1800" dirty="0"/>
-          </a:p>
-          <a:p>
-            <a:pPr marL="0" indent="0">
-              <a:buNone/>
-            </a:pPr>
-            <a:r>
-              <a:rPr lang="en-US" sz="1800" dirty="0"/>
-              <a:t>Publisher: </a:t>
-            </a:r>
-            <a:r>
-              <a:rPr lang="en-GB" sz="1800" dirty="0"/>
-              <a:t>Organisational</a:t>
-            </a:r>
-            <a:r>
-              <a:rPr lang="en-US" sz="1800" dirty="0"/>
-              <a:t> unit of ETH Zurich</a:t>
-            </a:r>
-          </a:p>
-          <a:p>
-            <a:pPr marL="0" indent="0">
-              <a:buNone/>
-            </a:pPr>
-            <a:r>
-              <a:rPr lang="en-GB" sz="1800" dirty="0"/>
-              <a:t>Design: Designer Name</a:t>
-            </a:r>
-          </a:p>
-          <a:p>
-            <a:pPr marL="0" indent="0">
-              <a:buNone/>
-            </a:pPr>
-            <a:r>
-              <a:rPr lang="en-US" sz="1800" dirty="0"/>
-              <a:t>Images: Credit (slide xx), Credit (slide xx)</a:t>
-            </a:r>
-          </a:p>
-          <a:p>
-            <a:pPr marL="0" indent="0">
-              <a:buNone/>
-            </a:pPr>
-            <a:endParaRPr lang="en-GB" sz="1800" dirty="0"/>
-          </a:p>
-          <a:p>
-            <a:pPr marL="0" indent="0">
-              <a:buNone/>
-            </a:pPr>
-            <a:r>
-              <a:rPr lang="en-GB" sz="1800" dirty="0"/>
-              <a:t>© ETH Zurich, December 2013</a:t>
-            </a:r>
-          </a:p>
-        </p:txBody>
-      </p:sp>
-      <p:sp>
-        <p:nvSpPr>
-          <p:cNvPr id="2" name="Datumsplatzhalter 1"/>
-          <p:cNvSpPr>
-            <a:spLocks noGrp="1"/>
-          </p:cNvSpPr>
-          <p:nvPr>
-            <p:ph type="dt" sz="half" idx="10"/>
+            <a:r>
+              <a:rPr lang="en-IN" dirty="0"/>
+              <a:t>Parameters</a:t>
+            </a:r>
+          </a:p>
+          <a:p>
+            <a:pPr lvl="1"/>
+            <a:r>
+              <a:rPr lang="en-IN" dirty="0"/>
+              <a:t>ZEV defined regulations on which </a:t>
+            </a:r>
+            <a:r>
+              <a:rPr lang="en-IN" i="1" dirty="0"/>
+              <a:t>plots </a:t>
+            </a:r>
+            <a:r>
+              <a:rPr lang="en-IN" dirty="0"/>
+              <a:t>can form a ZEV</a:t>
+            </a:r>
+          </a:p>
+          <a:p>
+            <a:pPr lvl="1"/>
+            <a:r>
+              <a:rPr lang="en-IN" dirty="0"/>
+              <a:t>Geographical information of agent, his neighbours</a:t>
+            </a:r>
+          </a:p>
+          <a:p>
+            <a:pPr lvl="1"/>
+            <a:r>
+              <a:rPr lang="en-IN" dirty="0"/>
+              <a:t>Relationship with owner – good/bad? Makes agent more/less likely to work together with owner</a:t>
+            </a:r>
+          </a:p>
+          <a:p>
+            <a:pPr lvl="1"/>
+            <a:r>
+              <a:rPr lang="en-IN" i="1" dirty="0"/>
+              <a:t>Demographic information – is this agent attribute or parameter?</a:t>
+            </a:r>
+          </a:p>
+          <a:p>
+            <a:pPr lvl="2"/>
+            <a:r>
+              <a:rPr lang="en-IN" i="1" dirty="0"/>
+              <a:t>Income</a:t>
+            </a:r>
+          </a:p>
+          <a:p>
+            <a:pPr lvl="2"/>
+            <a:r>
+              <a:rPr lang="en-IN" i="1" dirty="0"/>
+              <a:t>Education level</a:t>
+            </a:r>
+          </a:p>
+        </p:txBody>
+      </p:sp>
+      <p:sp>
+        <p:nvSpPr>
+          <p:cNvPr id="3" name="Content Placeholder 2">
+            <a:extLst>
+              <a:ext uri="{FF2B5EF4-FFF2-40B4-BE49-F238E27FC236}">
+                <a16:creationId xmlns:a16="http://schemas.microsoft.com/office/drawing/2014/main" id="{91B9B1D4-2218-4EE7-8A2F-954373F4C25F}"/>
+              </a:ext>
+            </a:extLst>
+          </p:cNvPr>
+          <p:cNvSpPr>
+            <a:spLocks noGrp="1"/>
+          </p:cNvSpPr>
+          <p:nvPr>
+            <p:ph sz="half" idx="2"/>
           </p:nvPr>
         </p:nvSpPr>
         <p:spPr/>
@@ -42928,20 +44911,62 @@
           <a:lstStyle/>
           <a:p>
             <a:r>
-              <a:rPr lang="en-GB" dirty="0"/>
-              <a:t>1.12.2014</a:t>
-            </a:r>
-          </a:p>
-        </p:txBody>
-      </p:sp>
-      <p:sp>
-        <p:nvSpPr>
-          <p:cNvPr id="3" name="Fußzeilenplatzhalter 2"/>
-          <p:cNvSpPr>
-            <a:spLocks noGrp="1"/>
-          </p:cNvSpPr>
-          <p:nvPr>
-            <p:ph type="ftr" sz="quarter" idx="11"/>
+              <a:rPr lang="en-IN" dirty="0"/>
+              <a:t>Variables</a:t>
+            </a:r>
+          </a:p>
+          <a:p>
+            <a:pPr lvl="1"/>
+            <a:r>
+              <a:rPr lang="en-IN" dirty="0"/>
+              <a:t>Electricity prices</a:t>
+            </a:r>
+          </a:p>
+          <a:p>
+            <a:pPr lvl="1"/>
+            <a:r>
+              <a:rPr lang="en-IN" dirty="0"/>
+              <a:t>PV system prices</a:t>
+            </a:r>
+          </a:p>
+          <a:p>
+            <a:pPr lvl="1"/>
+            <a:r>
+              <a:rPr lang="en-IN" dirty="0"/>
+              <a:t>Rebate and </a:t>
+            </a:r>
+            <a:r>
+              <a:rPr lang="en-IN" dirty="0" err="1"/>
+              <a:t>FiT</a:t>
+            </a:r>
+            <a:r>
+              <a:rPr lang="en-IN" dirty="0"/>
+              <a:t> levels</a:t>
+            </a:r>
+          </a:p>
+          <a:p>
+            <a:pPr lvl="1"/>
+            <a:endParaRPr lang="en-IN" dirty="0"/>
+          </a:p>
+          <a:p>
+            <a:endParaRPr lang="en-IN" dirty="0"/>
+          </a:p>
+        </p:txBody>
+      </p:sp>
+      <p:sp>
+        <p:nvSpPr>
+          <p:cNvPr id="4" name="Date Placeholder 3">
+            <a:extLst>
+              <a:ext uri="{FF2B5EF4-FFF2-40B4-BE49-F238E27FC236}">
+                <a16:creationId xmlns:a16="http://schemas.microsoft.com/office/drawing/2014/main" id="{3EBC2FD7-1660-4A40-B454-060ABC6CAFA9}"/>
+              </a:ext>
+            </a:extLst>
+          </p:cNvPr>
+          <p:cNvSpPr>
+            <a:spLocks noGrp="1"/>
+          </p:cNvSpPr>
+          <p:nvPr>
+            <p:ph type="dt" sz="half" idx="10"/>
           </p:nvPr>
         </p:nvSpPr>
         <p:spPr/>
@@ -42950,15 +44975,51 @@
           <a:lstStyle/>
           <a:p>
             <a:r>
-              <a:rPr lang="en-GB" dirty="0"/>
+              <a:rPr lang="en-GB"/>
+              <a:t>1.12.2014</a:t>
+            </a:r>
+            <a:endParaRPr lang="en-GB" dirty="0"/>
+          </a:p>
+        </p:txBody>
+      </p:sp>
+      <p:sp>
+        <p:nvSpPr>
+          <p:cNvPr id="5" name="Footer Placeholder 4">
+            <a:extLst>
+              <a:ext uri="{FF2B5EF4-FFF2-40B4-BE49-F238E27FC236}">
+                <a16:creationId xmlns:a16="http://schemas.microsoft.com/office/drawing/2014/main" id="{052C9B88-3408-464F-95A3-0D3364040CF3}"/>
+              </a:ext>
+            </a:extLst>
+          </p:cNvPr>
+          <p:cNvSpPr>
+            <a:spLocks noGrp="1"/>
+          </p:cNvSpPr>
+          <p:nvPr>
+            <p:ph type="ftr" sz="quarter" idx="11"/>
+          </p:nvPr>
+        </p:nvSpPr>
+        <p:spPr/>
+        <p:txBody>
+          <a:bodyPr/>
+          <a:lstStyle/>
+          <a:p>
+            <a:r>
+              <a:rPr lang="en-GB"/>
               <a:t>First name Surname (edit via “Insert” &gt; “Header &amp; Footer”)</a:t>
             </a:r>
-          </a:p>
-        </p:txBody>
-      </p:sp>
-      <p:sp>
-        <p:nvSpPr>
-          <p:cNvPr id="4" name="Foliennummernplatzhalter 3"/>
+            <a:endParaRPr lang="en-GB" dirty="0"/>
+          </a:p>
+        </p:txBody>
+      </p:sp>
+      <p:sp>
+        <p:nvSpPr>
+          <p:cNvPr id="6" name="Slide Number Placeholder 5">
+            <a:extLst>
+              <a:ext uri="{FF2B5EF4-FFF2-40B4-BE49-F238E27FC236}">
+                <a16:creationId xmlns:a16="http://schemas.microsoft.com/office/drawing/2014/main" id="{A06B100F-2DA2-47A1-B240-46A28786A0C5}"/>
+              </a:ext>
+            </a:extLst>
+          </p:cNvPr>
           <p:cNvSpPr>
             <a:spLocks noGrp="1"/>
           </p:cNvSpPr>
@@ -42981,7 +45042,13 @@
       </p:sp>
       <p:sp>
         <p:nvSpPr>
-          <p:cNvPr id="6" name="Titel 5"/>
+          <p:cNvPr id="7" name="Title 6">
+            <a:extLst>
+              <a:ext uri="{FF2B5EF4-FFF2-40B4-BE49-F238E27FC236}">
+                <a16:creationId xmlns:a16="http://schemas.microsoft.com/office/drawing/2014/main" id="{39B48266-42C7-416D-A5AC-77A6BF5A6CAE}"/>
+              </a:ext>
+            </a:extLst>
+          </p:cNvPr>
           <p:cNvSpPr>
             <a:spLocks noGrp="1"/>
           </p:cNvSpPr>
@@ -42995,8 +45062,8 @@
           <a:lstStyle/>
           <a:p>
             <a:r>
-              <a:rPr lang="en-GB" dirty="0"/>
-              <a:t>Contact information and credits</a:t>
+              <a:rPr lang="en-IN" dirty="0"/>
+              <a:t>Parameters and variables in the model</a:t>
             </a:r>
           </a:p>
         </p:txBody>
@@ -43004,7 +45071,7 @@
     </p:spTree>
     <p:extLst>
       <p:ext uri="{BB962C8B-B14F-4D97-AF65-F5344CB8AC3E}">
-        <p14:creationId xmlns:p14="http://schemas.microsoft.com/office/powerpoint/2010/main" val="949753625"/>
+        <p14:creationId xmlns:p14="http://schemas.microsoft.com/office/powerpoint/2010/main" val="3048101492"/>
       </p:ext>
     </p:extLst>
   </p:cSld>

--- a/PM/Presentations/PM_ThesisUpdates_Jan25.pptx
+++ b/PM/Presentations/PM_ThesisUpdates_Jan25.pptx
@@ -291,7 +291,7 @@
               <a:rPr lang="de-DE" smtClean="0">
                 <a:latin typeface="Arial" panose="020B0604020202020204" pitchFamily="34" charset="0"/>
               </a:rPr>
-              <a:t>24.01.2019</a:t>
+              <a:t>07.02.2019</a:t>
             </a:fld>
             <a:endParaRPr lang="de-DE" dirty="0">
               <a:latin typeface="Arial" panose="020B0604020202020204" pitchFamily="34" charset="0"/>
@@ -470,7 +470,7 @@
             <a:fld id="{BCDB334D-D17F-49C4-91DD-37BB7E818209}" type="datetimeFigureOut">
               <a:rPr lang="de-CH" smtClean="0"/>
               <a:pPr/>
-              <a:t>24.01.2019</a:t>
+              <a:t>07.02.2019</a:t>
             </a:fld>
             <a:endParaRPr lang="de-CH" dirty="0"/>
           </a:p>
